--- a/10846013_0608.pptx
+++ b/10846013_0608.pptx
@@ -10,6 +10,16 @@
     <p:sldId id="262" r:id="rId4"/>
     <p:sldId id="260" r:id="rId5"/>
     <p:sldId id="261" r:id="rId6"/>
+    <p:sldId id="267" r:id="rId7"/>
+    <p:sldId id="268" r:id="rId8"/>
+    <p:sldId id="269" r:id="rId9"/>
+    <p:sldId id="270" r:id="rId10"/>
+    <p:sldId id="271" r:id="rId11"/>
+    <p:sldId id="264" r:id="rId12"/>
+    <p:sldId id="265" r:id="rId13"/>
+    <p:sldId id="266" r:id="rId14"/>
+    <p:sldId id="272" r:id="rId15"/>
+    <p:sldId id="273" r:id="rId16"/>
   </p:sldIdLst>
   <p:sldSz cx="12192000" cy="6858000"/>
   <p:notesSz cx="6858000" cy="9144000"/>
@@ -108,6 +118,11 @@
       </a:defRPr>
     </a:lvl9pPr>
   </p:defaultTextStyle>
+  <p:extLst>
+    <p:ext uri="{EFAFB233-063F-42B5-8137-9DF3F51BA10A}">
+      <p15:sldGuideLst xmlns:p15="http://schemas.microsoft.com/office/powerpoint/2012/main"/>
+    </p:ext>
+  </p:extLst>
 </p:presentation>
 </file>
 
@@ -299,7 +314,7 @@
           <a:p>
             <a:fld id="{BB791705-F754-4C7B-B8C7-4D5AF4C134E1}" type="datetimeFigureOut">
               <a:rPr lang="zh-TW" altLang="en-US" smtClean="0"/>
-              <a:t>2022/6/8</a:t>
+              <a:t>2022/6/9</a:t>
             </a:fld>
             <a:endParaRPr lang="zh-TW" altLang="en-US"/>
           </a:p>
@@ -637,7 +652,7 @@
           <a:p>
             <a:fld id="{BB791705-F754-4C7B-B8C7-4D5AF4C134E1}" type="datetimeFigureOut">
               <a:rPr lang="zh-TW" altLang="en-US" smtClean="0"/>
-              <a:t>2022/6/8</a:t>
+              <a:t>2022/6/9</a:t>
             </a:fld>
             <a:endParaRPr lang="zh-TW" altLang="en-US"/>
           </a:p>
@@ -1038,7 +1053,7 @@
           <a:p>
             <a:fld id="{BB791705-F754-4C7B-B8C7-4D5AF4C134E1}" type="datetimeFigureOut">
               <a:rPr lang="zh-TW" altLang="en-US" smtClean="0"/>
-              <a:t>2022/6/8</a:t>
+              <a:t>2022/6/9</a:t>
             </a:fld>
             <a:endParaRPr lang="zh-TW" altLang="en-US"/>
           </a:p>
@@ -1374,7 +1389,7 @@
           <a:p>
             <a:fld id="{BB791705-F754-4C7B-B8C7-4D5AF4C134E1}" type="datetimeFigureOut">
               <a:rPr lang="zh-TW" altLang="en-US" smtClean="0"/>
-              <a:t>2022/6/8</a:t>
+              <a:t>2022/6/9</a:t>
             </a:fld>
             <a:endParaRPr lang="zh-TW" altLang="en-US"/>
           </a:p>
@@ -1694,7 +1709,7 @@
           <a:p>
             <a:fld id="{BB791705-F754-4C7B-B8C7-4D5AF4C134E1}" type="datetimeFigureOut">
               <a:rPr lang="zh-TW" altLang="en-US" smtClean="0"/>
-              <a:t>2022/6/8</a:t>
+              <a:t>2022/6/9</a:t>
             </a:fld>
             <a:endParaRPr lang="zh-TW" altLang="en-US"/>
           </a:p>
@@ -2090,7 +2105,7 @@
           <a:p>
             <a:fld id="{BB791705-F754-4C7B-B8C7-4D5AF4C134E1}" type="datetimeFigureOut">
               <a:rPr lang="zh-TW" altLang="en-US" smtClean="0"/>
-              <a:t>2022/6/8</a:t>
+              <a:t>2022/6/9</a:t>
             </a:fld>
             <a:endParaRPr lang="zh-TW" altLang="en-US"/>
           </a:p>
@@ -2347,7 +2362,7 @@
           <a:p>
             <a:fld id="{BB791705-F754-4C7B-B8C7-4D5AF4C134E1}" type="datetimeFigureOut">
               <a:rPr lang="zh-TW" altLang="en-US" smtClean="0"/>
-              <a:t>2022/6/8</a:t>
+              <a:t>2022/6/9</a:t>
             </a:fld>
             <a:endParaRPr lang="zh-TW" altLang="en-US"/>
           </a:p>
@@ -2609,7 +2624,7 @@
           <a:p>
             <a:fld id="{BB791705-F754-4C7B-B8C7-4D5AF4C134E1}" type="datetimeFigureOut">
               <a:rPr lang="zh-TW" altLang="en-US" smtClean="0"/>
-              <a:t>2022/6/8</a:t>
+              <a:t>2022/6/9</a:t>
             </a:fld>
             <a:endParaRPr lang="zh-TW" altLang="en-US"/>
           </a:p>
@@ -2871,7 +2886,7 @@
           <a:p>
             <a:fld id="{BB791705-F754-4C7B-B8C7-4D5AF4C134E1}" type="datetimeFigureOut">
               <a:rPr lang="zh-TW" altLang="en-US" smtClean="0"/>
-              <a:t>2022/6/8</a:t>
+              <a:t>2022/6/9</a:t>
             </a:fld>
             <a:endParaRPr lang="zh-TW" altLang="en-US"/>
           </a:p>
@@ -3200,7 +3215,7 @@
           <a:p>
             <a:fld id="{BB791705-F754-4C7B-B8C7-4D5AF4C134E1}" type="datetimeFigureOut">
               <a:rPr lang="zh-TW" altLang="en-US" smtClean="0"/>
-              <a:t>2022/6/8</a:t>
+              <a:t>2022/6/9</a:t>
             </a:fld>
             <a:endParaRPr lang="zh-TW" altLang="en-US"/>
           </a:p>
@@ -3523,7 +3538,7 @@
           <a:p>
             <a:fld id="{BB791705-F754-4C7B-B8C7-4D5AF4C134E1}" type="datetimeFigureOut">
               <a:rPr lang="zh-TW" altLang="en-US" smtClean="0"/>
-              <a:t>2022/6/8</a:t>
+              <a:t>2022/6/9</a:t>
             </a:fld>
             <a:endParaRPr lang="zh-TW" altLang="en-US"/>
           </a:p>
@@ -3980,7 +3995,7 @@
           <a:p>
             <a:fld id="{BB791705-F754-4C7B-B8C7-4D5AF4C134E1}" type="datetimeFigureOut">
               <a:rPr lang="zh-TW" altLang="en-US" smtClean="0"/>
-              <a:t>2022/6/8</a:t>
+              <a:t>2022/6/9</a:t>
             </a:fld>
             <a:endParaRPr lang="zh-TW" altLang="en-US"/>
           </a:p>
@@ -4185,7 +4200,7 @@
           <a:p>
             <a:fld id="{BB791705-F754-4C7B-B8C7-4D5AF4C134E1}" type="datetimeFigureOut">
               <a:rPr lang="zh-TW" altLang="en-US" smtClean="0"/>
-              <a:t>2022/6/8</a:t>
+              <a:t>2022/6/9</a:t>
             </a:fld>
             <a:endParaRPr lang="zh-TW" altLang="en-US"/>
           </a:p>
@@ -4362,7 +4377,7 @@
           <a:p>
             <a:fld id="{BB791705-F754-4C7B-B8C7-4D5AF4C134E1}" type="datetimeFigureOut">
               <a:rPr lang="zh-TW" altLang="en-US" smtClean="0"/>
-              <a:t>2022/6/8</a:t>
+              <a:t>2022/6/9</a:t>
             </a:fld>
             <a:endParaRPr lang="zh-TW" altLang="en-US"/>
           </a:p>
@@ -4695,7 +4710,7 @@
           <a:p>
             <a:fld id="{BB791705-F754-4C7B-B8C7-4D5AF4C134E1}" type="datetimeFigureOut">
               <a:rPr lang="zh-TW" altLang="en-US" smtClean="0"/>
-              <a:t>2022/6/8</a:t>
+              <a:t>2022/6/9</a:t>
             </a:fld>
             <a:endParaRPr lang="zh-TW" altLang="en-US"/>
           </a:p>
@@ -5040,7 +5055,7 @@
           <a:p>
             <a:fld id="{BB791705-F754-4C7B-B8C7-4D5AF4C134E1}" type="datetimeFigureOut">
               <a:rPr lang="zh-TW" altLang="en-US" smtClean="0"/>
-              <a:t>2022/6/8</a:t>
+              <a:t>2022/6/9</a:t>
             </a:fld>
             <a:endParaRPr lang="zh-TW" altLang="en-US"/>
           </a:p>
@@ -7157,7 +7172,7 @@
           <a:p>
             <a:fld id="{BB791705-F754-4C7B-B8C7-4D5AF4C134E1}" type="datetimeFigureOut">
               <a:rPr lang="zh-TW" altLang="en-US" smtClean="0"/>
-              <a:t>2022/6/8</a:t>
+              <a:t>2022/6/9</a:t>
             </a:fld>
             <a:endParaRPr lang="zh-TW" altLang="en-US"/>
           </a:p>
@@ -7738,6 +7753,773 @@
 </p:sld>
 </file>
 
+<file path=ppt/slides/slide10.xml><?xml version="1.0" encoding="utf-8"?>
+<p:sld xmlns:a="http://schemas.openxmlformats.org/drawingml/2006/main" xmlns:r="http://schemas.openxmlformats.org/officeDocument/2006/relationships" xmlns:p="http://schemas.openxmlformats.org/presentationml/2006/main">
+  <p:cSld>
+    <p:spTree>
+      <p:nvGrpSpPr>
+        <p:cNvPr id="1" name=""/>
+        <p:cNvGrpSpPr/>
+        <p:nvPr/>
+      </p:nvGrpSpPr>
+      <p:grpSpPr>
+        <a:xfrm>
+          <a:off x="0" y="0"/>
+          <a:ext cx="0" cy="0"/>
+          <a:chOff x="0" y="0"/>
+          <a:chExt cx="0" cy="0"/>
+        </a:xfrm>
+      </p:grpSpPr>
+      <p:sp>
+        <p:nvSpPr>
+          <p:cNvPr id="2" name="標題 1">
+            <a:extLst>
+              <a:ext uri="{FF2B5EF4-FFF2-40B4-BE49-F238E27FC236}">
+                <a16:creationId xmlns:a16="http://schemas.microsoft.com/office/drawing/2014/main" id="{4E8E17A2-0201-7582-A03E-0E22E37CC297}"/>
+              </a:ext>
+            </a:extLst>
+          </p:cNvPr>
+          <p:cNvSpPr>
+            <a:spLocks noGrp="1"/>
+          </p:cNvSpPr>
+          <p:nvPr>
+            <p:ph type="title"/>
+          </p:nvPr>
+        </p:nvSpPr>
+        <p:spPr/>
+        <p:txBody>
+          <a:bodyPr/>
+          <a:lstStyle/>
+          <a:p>
+            <a:endParaRPr lang="zh-TW" altLang="en-US"/>
+          </a:p>
+        </p:txBody>
+      </p:sp>
+      <p:sp>
+        <p:nvSpPr>
+          <p:cNvPr id="3" name="內容版面配置區 2">
+            <a:extLst>
+              <a:ext uri="{FF2B5EF4-FFF2-40B4-BE49-F238E27FC236}">
+                <a16:creationId xmlns:a16="http://schemas.microsoft.com/office/drawing/2014/main" id="{4DE2D652-4F21-D5DD-279A-E75660386B35}"/>
+              </a:ext>
+            </a:extLst>
+          </p:cNvPr>
+          <p:cNvSpPr>
+            <a:spLocks noGrp="1"/>
+          </p:cNvSpPr>
+          <p:nvPr>
+            <p:ph idx="1"/>
+          </p:nvPr>
+        </p:nvSpPr>
+        <p:spPr/>
+        <p:txBody>
+          <a:bodyPr/>
+          <a:lstStyle/>
+          <a:p>
+            <a:endParaRPr lang="zh-TW" altLang="en-US"/>
+          </a:p>
+        </p:txBody>
+      </p:sp>
+      <p:pic>
+        <p:nvPicPr>
+          <p:cNvPr id="5" name="圖片 4">
+            <a:extLst>
+              <a:ext uri="{FF2B5EF4-FFF2-40B4-BE49-F238E27FC236}">
+                <a16:creationId xmlns:a16="http://schemas.microsoft.com/office/drawing/2014/main" id="{B510DFED-BA99-C275-DE82-58DAB9451B5E}"/>
+              </a:ext>
+            </a:extLst>
+          </p:cNvPr>
+          <p:cNvPicPr>
+            <a:picLocks noChangeAspect="1"/>
+          </p:cNvPicPr>
+          <p:nvPr/>
+        </p:nvPicPr>
+        <p:blipFill>
+          <a:blip r:embed="rId2"/>
+          <a:stretch>
+            <a:fillRect/>
+          </a:stretch>
+        </p:blipFill>
+        <p:spPr>
+          <a:xfrm>
+            <a:off x="0" y="1390758"/>
+            <a:ext cx="12192000" cy="628542"/>
+          </a:xfrm>
+          <a:prstGeom prst="rect">
+            <a:avLst/>
+          </a:prstGeom>
+        </p:spPr>
+      </p:pic>
+      <p:pic>
+        <p:nvPicPr>
+          <p:cNvPr id="7" name="圖片 6">
+            <a:extLst>
+              <a:ext uri="{FF2B5EF4-FFF2-40B4-BE49-F238E27FC236}">
+                <a16:creationId xmlns:a16="http://schemas.microsoft.com/office/drawing/2014/main" id="{7485A434-0B17-CD62-3C81-9AFCD90B1159}"/>
+              </a:ext>
+            </a:extLst>
+          </p:cNvPr>
+          <p:cNvPicPr>
+            <a:picLocks noChangeAspect="1"/>
+          </p:cNvPicPr>
+          <p:nvPr/>
+        </p:nvPicPr>
+        <p:blipFill>
+          <a:blip r:embed="rId3"/>
+          <a:stretch>
+            <a:fillRect/>
+          </a:stretch>
+        </p:blipFill>
+        <p:spPr>
+          <a:xfrm>
+            <a:off x="0" y="2008409"/>
+            <a:ext cx="12192000" cy="585642"/>
+          </a:xfrm>
+          <a:prstGeom prst="rect">
+            <a:avLst/>
+          </a:prstGeom>
+        </p:spPr>
+      </p:pic>
+      <p:pic>
+        <p:nvPicPr>
+          <p:cNvPr id="9" name="圖片 8">
+            <a:extLst>
+              <a:ext uri="{FF2B5EF4-FFF2-40B4-BE49-F238E27FC236}">
+                <a16:creationId xmlns:a16="http://schemas.microsoft.com/office/drawing/2014/main" id="{CC4E775D-8D99-264B-2404-0636CC0DB704}"/>
+              </a:ext>
+            </a:extLst>
+          </p:cNvPr>
+          <p:cNvPicPr>
+            <a:picLocks noChangeAspect="1"/>
+          </p:cNvPicPr>
+          <p:nvPr/>
+        </p:nvPicPr>
+        <p:blipFill>
+          <a:blip r:embed="rId4"/>
+          <a:stretch>
+            <a:fillRect/>
+          </a:stretch>
+        </p:blipFill>
+        <p:spPr>
+          <a:xfrm>
+            <a:off x="0" y="4764167"/>
+            <a:ext cx="12192000" cy="968901"/>
+          </a:xfrm>
+          <a:prstGeom prst="rect">
+            <a:avLst/>
+          </a:prstGeom>
+        </p:spPr>
+      </p:pic>
+      <p:pic>
+        <p:nvPicPr>
+          <p:cNvPr id="11" name="圖片 10">
+            <a:extLst>
+              <a:ext uri="{FF2B5EF4-FFF2-40B4-BE49-F238E27FC236}">
+                <a16:creationId xmlns:a16="http://schemas.microsoft.com/office/drawing/2014/main" id="{FBD12901-6181-1A0F-F78B-2689BA3DF9DB}"/>
+              </a:ext>
+            </a:extLst>
+          </p:cNvPr>
+          <p:cNvPicPr>
+            <a:picLocks noChangeAspect="1"/>
+          </p:cNvPicPr>
+          <p:nvPr/>
+        </p:nvPicPr>
+        <p:blipFill>
+          <a:blip r:embed="rId5"/>
+          <a:stretch>
+            <a:fillRect/>
+          </a:stretch>
+        </p:blipFill>
+        <p:spPr>
+          <a:xfrm>
+            <a:off x="0" y="3117097"/>
+            <a:ext cx="12192000" cy="1647070"/>
+          </a:xfrm>
+          <a:prstGeom prst="rect">
+            <a:avLst/>
+          </a:prstGeom>
+        </p:spPr>
+      </p:pic>
+    </p:spTree>
+    <p:extLst>
+      <p:ext uri="{BB962C8B-B14F-4D97-AF65-F5344CB8AC3E}">
+        <p14:creationId xmlns:p14="http://schemas.microsoft.com/office/powerpoint/2010/main" val="3028551495"/>
+      </p:ext>
+    </p:extLst>
+  </p:cSld>
+  <p:clrMapOvr>
+    <a:masterClrMapping/>
+  </p:clrMapOvr>
+</p:sld>
+</file>
+
+<file path=ppt/slides/slide11.xml><?xml version="1.0" encoding="utf-8"?>
+<p:sld xmlns:a="http://schemas.openxmlformats.org/drawingml/2006/main" xmlns:r="http://schemas.openxmlformats.org/officeDocument/2006/relationships" xmlns:p="http://schemas.openxmlformats.org/presentationml/2006/main">
+  <p:cSld>
+    <p:spTree>
+      <p:nvGrpSpPr>
+        <p:cNvPr id="1" name=""/>
+        <p:cNvGrpSpPr/>
+        <p:nvPr/>
+      </p:nvGrpSpPr>
+      <p:grpSpPr>
+        <a:xfrm>
+          <a:off x="0" y="0"/>
+          <a:ext cx="0" cy="0"/>
+          <a:chOff x="0" y="0"/>
+          <a:chExt cx="0" cy="0"/>
+        </a:xfrm>
+      </p:grpSpPr>
+      <p:sp>
+        <p:nvSpPr>
+          <p:cNvPr id="2" name="標題 1">
+            <a:extLst>
+              <a:ext uri="{FF2B5EF4-FFF2-40B4-BE49-F238E27FC236}">
+                <a16:creationId xmlns:a16="http://schemas.microsoft.com/office/drawing/2014/main" id="{5CE8601D-9877-2310-7B06-C24C2315AEDD}"/>
+              </a:ext>
+            </a:extLst>
+          </p:cNvPr>
+          <p:cNvSpPr>
+            <a:spLocks noGrp="1"/>
+          </p:cNvSpPr>
+          <p:nvPr>
+            <p:ph type="title"/>
+          </p:nvPr>
+        </p:nvSpPr>
+        <p:spPr/>
+        <p:txBody>
+          <a:bodyPr/>
+          <a:lstStyle/>
+          <a:p>
+            <a:r>
+              <a:rPr lang="en-US" altLang="zh-TW" dirty="0"/>
+              <a:t>MVS</a:t>
+            </a:r>
+            <a:endParaRPr lang="zh-TW" altLang="en-US" dirty="0"/>
+          </a:p>
+        </p:txBody>
+      </p:sp>
+      <p:sp>
+        <p:nvSpPr>
+          <p:cNvPr id="3" name="內容版面配置區 2">
+            <a:extLst>
+              <a:ext uri="{FF2B5EF4-FFF2-40B4-BE49-F238E27FC236}">
+                <a16:creationId xmlns:a16="http://schemas.microsoft.com/office/drawing/2014/main" id="{26982C34-8053-8E77-D1B9-68BF5515BB3A}"/>
+              </a:ext>
+            </a:extLst>
+          </p:cNvPr>
+          <p:cNvSpPr>
+            <a:spLocks noGrp="1"/>
+          </p:cNvSpPr>
+          <p:nvPr>
+            <p:ph idx="1"/>
+          </p:nvPr>
+        </p:nvSpPr>
+        <p:spPr/>
+        <p:txBody>
+          <a:bodyPr/>
+          <a:lstStyle/>
+          <a:p>
+            <a:endParaRPr lang="zh-TW" altLang="en-US" dirty="0"/>
+          </a:p>
+        </p:txBody>
+      </p:sp>
+      <p:pic>
+        <p:nvPicPr>
+          <p:cNvPr id="7" name="圖片 6">
+            <a:extLst>
+              <a:ext uri="{FF2B5EF4-FFF2-40B4-BE49-F238E27FC236}">
+                <a16:creationId xmlns:a16="http://schemas.microsoft.com/office/drawing/2014/main" id="{79A66C94-6FBB-BD7F-510F-B6D8F17E2AEE}"/>
+              </a:ext>
+            </a:extLst>
+          </p:cNvPr>
+          <p:cNvPicPr>
+            <a:picLocks noChangeAspect="1"/>
+          </p:cNvPicPr>
+          <p:nvPr/>
+        </p:nvPicPr>
+        <p:blipFill>
+          <a:blip r:embed="rId2"/>
+          <a:stretch>
+            <a:fillRect/>
+          </a:stretch>
+        </p:blipFill>
+        <p:spPr>
+          <a:xfrm>
+            <a:off x="0" y="1264555"/>
+            <a:ext cx="12192000" cy="3049955"/>
+          </a:xfrm>
+          <a:prstGeom prst="rect">
+            <a:avLst/>
+          </a:prstGeom>
+        </p:spPr>
+      </p:pic>
+    </p:spTree>
+    <p:extLst>
+      <p:ext uri="{BB962C8B-B14F-4D97-AF65-F5344CB8AC3E}">
+        <p14:creationId xmlns:p14="http://schemas.microsoft.com/office/powerpoint/2010/main" val="443710966"/>
+      </p:ext>
+    </p:extLst>
+  </p:cSld>
+  <p:clrMapOvr>
+    <a:masterClrMapping/>
+  </p:clrMapOvr>
+</p:sld>
+</file>
+
+<file path=ppt/slides/slide12.xml><?xml version="1.0" encoding="utf-8"?>
+<p:sld xmlns:a="http://schemas.openxmlformats.org/drawingml/2006/main" xmlns:r="http://schemas.openxmlformats.org/officeDocument/2006/relationships" xmlns:p="http://schemas.openxmlformats.org/presentationml/2006/main">
+  <p:cSld>
+    <p:spTree>
+      <p:nvGrpSpPr>
+        <p:cNvPr id="1" name=""/>
+        <p:cNvGrpSpPr/>
+        <p:nvPr/>
+      </p:nvGrpSpPr>
+      <p:grpSpPr>
+        <a:xfrm>
+          <a:off x="0" y="0"/>
+          <a:ext cx="0" cy="0"/>
+          <a:chOff x="0" y="0"/>
+          <a:chExt cx="0" cy="0"/>
+        </a:xfrm>
+      </p:grpSpPr>
+      <p:sp>
+        <p:nvSpPr>
+          <p:cNvPr id="2" name="標題 1">
+            <a:extLst>
+              <a:ext uri="{FF2B5EF4-FFF2-40B4-BE49-F238E27FC236}">
+                <a16:creationId xmlns:a16="http://schemas.microsoft.com/office/drawing/2014/main" id="{BD6D7F90-B366-D710-060A-DF326C8A2407}"/>
+              </a:ext>
+            </a:extLst>
+          </p:cNvPr>
+          <p:cNvSpPr>
+            <a:spLocks noGrp="1"/>
+          </p:cNvSpPr>
+          <p:nvPr>
+            <p:ph type="title"/>
+          </p:nvPr>
+        </p:nvSpPr>
+        <p:spPr/>
+        <p:txBody>
+          <a:bodyPr/>
+          <a:lstStyle/>
+          <a:p>
+            <a:endParaRPr lang="zh-TW" altLang="en-US"/>
+          </a:p>
+        </p:txBody>
+      </p:sp>
+      <p:sp>
+        <p:nvSpPr>
+          <p:cNvPr id="3" name="內容版面配置區 2">
+            <a:extLst>
+              <a:ext uri="{FF2B5EF4-FFF2-40B4-BE49-F238E27FC236}">
+                <a16:creationId xmlns:a16="http://schemas.microsoft.com/office/drawing/2014/main" id="{F334E23D-E5CF-3A9B-C3E9-0A95FEC1B98C}"/>
+              </a:ext>
+            </a:extLst>
+          </p:cNvPr>
+          <p:cNvSpPr>
+            <a:spLocks noGrp="1"/>
+          </p:cNvSpPr>
+          <p:nvPr>
+            <p:ph idx="1"/>
+          </p:nvPr>
+        </p:nvSpPr>
+        <p:spPr/>
+        <p:txBody>
+          <a:bodyPr/>
+          <a:lstStyle/>
+          <a:p>
+            <a:endParaRPr lang="zh-TW" altLang="en-US" dirty="0"/>
+          </a:p>
+        </p:txBody>
+      </p:sp>
+      <p:pic>
+        <p:nvPicPr>
+          <p:cNvPr id="5" name="圖片 4">
+            <a:extLst>
+              <a:ext uri="{FF2B5EF4-FFF2-40B4-BE49-F238E27FC236}">
+                <a16:creationId xmlns:a16="http://schemas.microsoft.com/office/drawing/2014/main" id="{77D32769-7F94-1812-35DA-4FD90EF18EB1}"/>
+              </a:ext>
+            </a:extLst>
+          </p:cNvPr>
+          <p:cNvPicPr>
+            <a:picLocks noChangeAspect="1"/>
+          </p:cNvPicPr>
+          <p:nvPr/>
+        </p:nvPicPr>
+        <p:blipFill>
+          <a:blip r:embed="rId2"/>
+          <a:stretch>
+            <a:fillRect/>
+          </a:stretch>
+        </p:blipFill>
+        <p:spPr>
+          <a:xfrm>
+            <a:off x="0" y="1264555"/>
+            <a:ext cx="12192000" cy="4813874"/>
+          </a:xfrm>
+          <a:prstGeom prst="rect">
+            <a:avLst/>
+          </a:prstGeom>
+        </p:spPr>
+      </p:pic>
+    </p:spTree>
+    <p:extLst>
+      <p:ext uri="{BB962C8B-B14F-4D97-AF65-F5344CB8AC3E}">
+        <p14:creationId xmlns:p14="http://schemas.microsoft.com/office/powerpoint/2010/main" val="2227408715"/>
+      </p:ext>
+    </p:extLst>
+  </p:cSld>
+  <p:clrMapOvr>
+    <a:masterClrMapping/>
+  </p:clrMapOvr>
+</p:sld>
+</file>
+
+<file path=ppt/slides/slide13.xml><?xml version="1.0" encoding="utf-8"?>
+<p:sld xmlns:a="http://schemas.openxmlformats.org/drawingml/2006/main" xmlns:r="http://schemas.openxmlformats.org/officeDocument/2006/relationships" xmlns:p="http://schemas.openxmlformats.org/presentationml/2006/main">
+  <p:cSld>
+    <p:spTree>
+      <p:nvGrpSpPr>
+        <p:cNvPr id="1" name=""/>
+        <p:cNvGrpSpPr/>
+        <p:nvPr/>
+      </p:nvGrpSpPr>
+      <p:grpSpPr>
+        <a:xfrm>
+          <a:off x="0" y="0"/>
+          <a:ext cx="0" cy="0"/>
+          <a:chOff x="0" y="0"/>
+          <a:chExt cx="0" cy="0"/>
+        </a:xfrm>
+      </p:grpSpPr>
+      <p:sp>
+        <p:nvSpPr>
+          <p:cNvPr id="2" name="標題 1">
+            <a:extLst>
+              <a:ext uri="{FF2B5EF4-FFF2-40B4-BE49-F238E27FC236}">
+                <a16:creationId xmlns:a16="http://schemas.microsoft.com/office/drawing/2014/main" id="{89B14866-B594-8000-9123-712AA01E1E1A}"/>
+              </a:ext>
+            </a:extLst>
+          </p:cNvPr>
+          <p:cNvSpPr>
+            <a:spLocks noGrp="1"/>
+          </p:cNvSpPr>
+          <p:nvPr>
+            <p:ph type="title"/>
+          </p:nvPr>
+        </p:nvSpPr>
+        <p:spPr/>
+        <p:txBody>
+          <a:bodyPr/>
+          <a:lstStyle/>
+          <a:p>
+            <a:endParaRPr lang="zh-TW" altLang="en-US"/>
+          </a:p>
+        </p:txBody>
+      </p:sp>
+      <p:sp>
+        <p:nvSpPr>
+          <p:cNvPr id="3" name="內容版面配置區 2">
+            <a:extLst>
+              <a:ext uri="{FF2B5EF4-FFF2-40B4-BE49-F238E27FC236}">
+                <a16:creationId xmlns:a16="http://schemas.microsoft.com/office/drawing/2014/main" id="{486380C1-B449-1907-9C1D-6EA42F55DB3F}"/>
+              </a:ext>
+            </a:extLst>
+          </p:cNvPr>
+          <p:cNvSpPr>
+            <a:spLocks noGrp="1"/>
+          </p:cNvSpPr>
+          <p:nvPr>
+            <p:ph idx="1"/>
+          </p:nvPr>
+        </p:nvSpPr>
+        <p:spPr/>
+        <p:txBody>
+          <a:bodyPr/>
+          <a:lstStyle/>
+          <a:p>
+            <a:endParaRPr lang="zh-TW" altLang="en-US"/>
+          </a:p>
+        </p:txBody>
+      </p:sp>
+      <p:pic>
+        <p:nvPicPr>
+          <p:cNvPr id="6" name="圖片 5">
+            <a:extLst>
+              <a:ext uri="{FF2B5EF4-FFF2-40B4-BE49-F238E27FC236}">
+                <a16:creationId xmlns:a16="http://schemas.microsoft.com/office/drawing/2014/main" id="{DAD4FC0F-7B48-D3AB-EEFD-CE5C65A1D7D6}"/>
+              </a:ext>
+            </a:extLst>
+          </p:cNvPr>
+          <p:cNvPicPr>
+            <a:picLocks noChangeAspect="1"/>
+          </p:cNvPicPr>
+          <p:nvPr/>
+        </p:nvPicPr>
+        <p:blipFill>
+          <a:blip r:embed="rId2"/>
+          <a:stretch>
+            <a:fillRect/>
+          </a:stretch>
+        </p:blipFill>
+        <p:spPr>
+          <a:xfrm>
+            <a:off x="0" y="1264555"/>
+            <a:ext cx="12192000" cy="5688016"/>
+          </a:xfrm>
+          <a:prstGeom prst="rect">
+            <a:avLst/>
+          </a:prstGeom>
+        </p:spPr>
+      </p:pic>
+    </p:spTree>
+    <p:extLst>
+      <p:ext uri="{BB962C8B-B14F-4D97-AF65-F5344CB8AC3E}">
+        <p14:creationId xmlns:p14="http://schemas.microsoft.com/office/powerpoint/2010/main" val="3254457469"/>
+      </p:ext>
+    </p:extLst>
+  </p:cSld>
+  <p:clrMapOvr>
+    <a:masterClrMapping/>
+  </p:clrMapOvr>
+</p:sld>
+</file>
+
+<file path=ppt/slides/slide14.xml><?xml version="1.0" encoding="utf-8"?>
+<p:sld xmlns:a="http://schemas.openxmlformats.org/drawingml/2006/main" xmlns:r="http://schemas.openxmlformats.org/officeDocument/2006/relationships" xmlns:p="http://schemas.openxmlformats.org/presentationml/2006/main">
+  <p:cSld>
+    <p:spTree>
+      <p:nvGrpSpPr>
+        <p:cNvPr id="1" name=""/>
+        <p:cNvGrpSpPr/>
+        <p:nvPr/>
+      </p:nvGrpSpPr>
+      <p:grpSpPr>
+        <a:xfrm>
+          <a:off x="0" y="0"/>
+          <a:ext cx="0" cy="0"/>
+          <a:chOff x="0" y="0"/>
+          <a:chExt cx="0" cy="0"/>
+        </a:xfrm>
+      </p:grpSpPr>
+      <p:sp>
+        <p:nvSpPr>
+          <p:cNvPr id="2" name="標題 1">
+            <a:extLst>
+              <a:ext uri="{FF2B5EF4-FFF2-40B4-BE49-F238E27FC236}">
+                <a16:creationId xmlns:a16="http://schemas.microsoft.com/office/drawing/2014/main" id="{4A5FD088-F847-12DB-F418-FCF0B907350B}"/>
+              </a:ext>
+            </a:extLst>
+          </p:cNvPr>
+          <p:cNvSpPr>
+            <a:spLocks noGrp="1"/>
+          </p:cNvSpPr>
+          <p:nvPr>
+            <p:ph type="title"/>
+          </p:nvPr>
+        </p:nvSpPr>
+        <p:spPr/>
+        <p:txBody>
+          <a:bodyPr/>
+          <a:lstStyle/>
+          <a:p>
+            <a:r>
+              <a:rPr lang="en-US" altLang="zh-TW" dirty="0"/>
+              <a:t>Git log</a:t>
+            </a:r>
+            <a:br>
+              <a:rPr lang="en-US" altLang="zh-TW" dirty="0"/>
+            </a:br>
+            <a:endParaRPr lang="zh-TW" altLang="en-US" dirty="0"/>
+          </a:p>
+        </p:txBody>
+      </p:sp>
+      <p:pic>
+        <p:nvPicPr>
+          <p:cNvPr id="5" name="圖片 4">
+            <a:extLst>
+              <a:ext uri="{FF2B5EF4-FFF2-40B4-BE49-F238E27FC236}">
+                <a16:creationId xmlns:a16="http://schemas.microsoft.com/office/drawing/2014/main" id="{0DCA7B6A-0820-1ED6-1C16-F02FBD4B1EDB}"/>
+              </a:ext>
+            </a:extLst>
+          </p:cNvPr>
+          <p:cNvPicPr>
+            <a:picLocks noChangeAspect="1"/>
+          </p:cNvPicPr>
+          <p:nvPr/>
+        </p:nvPicPr>
+        <p:blipFill>
+          <a:blip r:embed="rId2"/>
+          <a:stretch>
+            <a:fillRect/>
+          </a:stretch>
+        </p:blipFill>
+        <p:spPr>
+          <a:xfrm>
+            <a:off x="0" y="1264555"/>
+            <a:ext cx="12192000" cy="3054602"/>
+          </a:xfrm>
+          <a:prstGeom prst="rect">
+            <a:avLst/>
+          </a:prstGeom>
+        </p:spPr>
+      </p:pic>
+      <p:sp>
+        <p:nvSpPr>
+          <p:cNvPr id="11" name="內容版面配置區 10">
+            <a:extLst>
+              <a:ext uri="{FF2B5EF4-FFF2-40B4-BE49-F238E27FC236}">
+                <a16:creationId xmlns:a16="http://schemas.microsoft.com/office/drawing/2014/main" id="{D7278B78-82E2-882A-8FB5-80B31B8BD82E}"/>
+              </a:ext>
+            </a:extLst>
+          </p:cNvPr>
+          <p:cNvSpPr>
+            <a:spLocks noGrp="1"/>
+          </p:cNvSpPr>
+          <p:nvPr>
+            <p:ph idx="1"/>
+          </p:nvPr>
+        </p:nvSpPr>
+        <p:spPr/>
+        <p:txBody>
+          <a:bodyPr/>
+          <a:lstStyle/>
+          <a:p>
+            <a:endParaRPr lang="zh-TW" altLang="en-US"/>
+          </a:p>
+        </p:txBody>
+      </p:sp>
+    </p:spTree>
+    <p:extLst>
+      <p:ext uri="{BB962C8B-B14F-4D97-AF65-F5344CB8AC3E}">
+        <p14:creationId xmlns:p14="http://schemas.microsoft.com/office/powerpoint/2010/main" val="393339987"/>
+      </p:ext>
+    </p:extLst>
+  </p:cSld>
+  <p:clrMapOvr>
+    <a:masterClrMapping/>
+  </p:clrMapOvr>
+</p:sld>
+</file>
+
+<file path=ppt/slides/slide15.xml><?xml version="1.0" encoding="utf-8"?>
+<p:sld xmlns:a="http://schemas.openxmlformats.org/drawingml/2006/main" xmlns:r="http://schemas.openxmlformats.org/officeDocument/2006/relationships" xmlns:p="http://schemas.openxmlformats.org/presentationml/2006/main">
+  <p:cSld>
+    <p:spTree>
+      <p:nvGrpSpPr>
+        <p:cNvPr id="1" name=""/>
+        <p:cNvGrpSpPr/>
+        <p:nvPr/>
+      </p:nvGrpSpPr>
+      <p:grpSpPr>
+        <a:xfrm>
+          <a:off x="0" y="0"/>
+          <a:ext cx="0" cy="0"/>
+          <a:chOff x="0" y="0"/>
+          <a:chExt cx="0" cy="0"/>
+        </a:xfrm>
+      </p:grpSpPr>
+      <p:sp>
+        <p:nvSpPr>
+          <p:cNvPr id="2" name="標題 1">
+            <a:extLst>
+              <a:ext uri="{FF2B5EF4-FFF2-40B4-BE49-F238E27FC236}">
+                <a16:creationId xmlns:a16="http://schemas.microsoft.com/office/drawing/2014/main" id="{2DE34C06-1C6B-EDF8-15EA-0E09FF2FB40F}"/>
+              </a:ext>
+            </a:extLst>
+          </p:cNvPr>
+          <p:cNvSpPr>
+            <a:spLocks noGrp="1"/>
+          </p:cNvSpPr>
+          <p:nvPr>
+            <p:ph type="title"/>
+          </p:nvPr>
+        </p:nvSpPr>
+        <p:spPr/>
+        <p:txBody>
+          <a:bodyPr/>
+          <a:lstStyle/>
+          <a:p>
+            <a:endParaRPr lang="zh-TW" altLang="en-US"/>
+          </a:p>
+        </p:txBody>
+      </p:sp>
+      <p:sp>
+        <p:nvSpPr>
+          <p:cNvPr id="3" name="內容版面配置區 2">
+            <a:extLst>
+              <a:ext uri="{FF2B5EF4-FFF2-40B4-BE49-F238E27FC236}">
+                <a16:creationId xmlns:a16="http://schemas.microsoft.com/office/drawing/2014/main" id="{1E12B4B9-7DED-EBC0-40DF-EFD41391D0F0}"/>
+              </a:ext>
+            </a:extLst>
+          </p:cNvPr>
+          <p:cNvSpPr>
+            <a:spLocks noGrp="1"/>
+          </p:cNvSpPr>
+          <p:nvPr>
+            <p:ph idx="1"/>
+          </p:nvPr>
+        </p:nvSpPr>
+        <p:spPr/>
+        <p:txBody>
+          <a:bodyPr/>
+          <a:lstStyle/>
+          <a:p>
+            <a:endParaRPr lang="zh-TW" altLang="en-US"/>
+          </a:p>
+        </p:txBody>
+      </p:sp>
+      <p:pic>
+        <p:nvPicPr>
+          <p:cNvPr id="4" name="內容版面配置區 8">
+            <a:extLst>
+              <a:ext uri="{FF2B5EF4-FFF2-40B4-BE49-F238E27FC236}">
+                <a16:creationId xmlns:a16="http://schemas.microsoft.com/office/drawing/2014/main" id="{3913EBFF-613C-717A-004B-32BA723E2CAD}"/>
+              </a:ext>
+            </a:extLst>
+          </p:cNvPr>
+          <p:cNvPicPr>
+            <a:picLocks noChangeAspect="1"/>
+          </p:cNvPicPr>
+          <p:nvPr/>
+        </p:nvPicPr>
+        <p:blipFill>
+          <a:blip r:embed="rId2">
+            <a:extLst>
+              <a:ext uri="{28A0092B-C50C-407E-A947-70E740481C1C}">
+                <a14:useLocalDpi xmlns:a14="http://schemas.microsoft.com/office/drawing/2010/main" val="0"/>
+              </a:ext>
+            </a:extLst>
+          </a:blip>
+          <a:stretch>
+            <a:fillRect/>
+          </a:stretch>
+        </p:blipFill>
+        <p:spPr>
+          <a:xfrm>
+            <a:off x="795353" y="76200"/>
+            <a:ext cx="1833547" cy="6632861"/>
+          </a:xfrm>
+          <a:prstGeom prst="rect">
+            <a:avLst/>
+          </a:prstGeom>
+        </p:spPr>
+      </p:pic>
+    </p:spTree>
+    <p:extLst>
+      <p:ext uri="{BB962C8B-B14F-4D97-AF65-F5344CB8AC3E}">
+        <p14:creationId xmlns:p14="http://schemas.microsoft.com/office/powerpoint/2010/main" val="3538078117"/>
+      </p:ext>
+    </p:extLst>
+  </p:cSld>
+  <p:clrMapOvr>
+    <a:masterClrMapping/>
+  </p:clrMapOvr>
+</p:sld>
+</file>
+
 <file path=ppt/slides/slide2.xml><?xml version="1.0" encoding="utf-8"?>
 <p:sld xmlns:a="http://schemas.openxmlformats.org/drawingml/2006/main" xmlns:r="http://schemas.openxmlformats.org/officeDocument/2006/relationships" xmlns:p="http://schemas.openxmlformats.org/presentationml/2006/main">
   <p:cSld>
@@ -7904,10 +8686,10 @@
         </p:nvGrpSpPr>
         <p:grpSpPr>
           <a:xfrm>
-            <a:off x="2570604" y="3953610"/>
-            <a:ext cx="7871968" cy="1999335"/>
-            <a:chOff x="1464062" y="4040603"/>
-            <a:chExt cx="7871968" cy="1999335"/>
+            <a:off x="2570604" y="3967427"/>
+            <a:ext cx="7774984" cy="1995242"/>
+            <a:chOff x="1464062" y="4054420"/>
+            <a:chExt cx="7774984" cy="1995242"/>
           </a:xfrm>
         </p:grpSpPr>
         <p:grpSp>
@@ -7930,8 +8712,8 @@
               <a:chExt cx="371640" cy="1693225"/>
             </a:xfrm>
           </p:grpSpPr>
-          <mc:AlternateContent xmlns:mc="http://schemas.openxmlformats.org/markup-compatibility/2006">
-            <mc:Choice xmlns:a14="http://schemas.microsoft.com/office/drawing/2010/main" Requires="a14">
+          <mc:AlternateContent xmlns:mc="http://schemas.openxmlformats.org/markup-compatibility/2006" xmlns:a14="http://schemas.microsoft.com/office/drawing/2010/main">
+            <mc:Choice Requires="a14">
               <p:sp>
                 <p:nvSpPr>
                   <p:cNvPr id="7" name="文字方塊 6">
@@ -7960,6 +8742,7 @@
                   </a:bodyPr>
                   <a:lstStyle/>
                   <a:p>
+                    <a:pPr/>
                     <a14:m>
                       <m:oMathPara xmlns:m="http://schemas.openxmlformats.org/officeDocument/2006/math">
                         <m:oMathParaPr>
@@ -7969,7 +8752,7 @@
                           <m:sSubSup>
                             <m:sSubSupPr>
                               <m:ctrlPr>
-                                <a:rPr lang="zh-TW" altLang="en-US" smtClean="0">
+                                <a:rPr lang="zh-TW" altLang="en-US" i="1" smtClean="0">
                                   <a:solidFill>
                                     <a:srgbClr val="836967"/>
                                   </a:solidFill>
@@ -8010,7 +8793,7 @@
                 </p:txBody>
               </p:sp>
             </mc:Choice>
-            <mc:Fallback>
+            <mc:Fallback xmlns="">
               <p:sp>
                 <p:nvSpPr>
                   <p:cNvPr id="7" name="文字方塊 6">
@@ -8055,8 +8838,8 @@
               </p:sp>
             </mc:Fallback>
           </mc:AlternateContent>
-          <mc:AlternateContent xmlns:mc="http://schemas.openxmlformats.org/markup-compatibility/2006">
-            <mc:Choice xmlns:a14="http://schemas.microsoft.com/office/drawing/2010/main" Requires="a14">
+          <mc:AlternateContent xmlns:mc="http://schemas.openxmlformats.org/markup-compatibility/2006" xmlns:a14="http://schemas.microsoft.com/office/drawing/2010/main">
+            <mc:Choice Requires="a14">
               <p:sp>
                 <p:nvSpPr>
                   <p:cNvPr id="8" name="文字方塊 7">
@@ -8085,6 +8868,7 @@
                   </a:bodyPr>
                   <a:lstStyle/>
                   <a:p>
+                    <a:pPr/>
                     <a14:m>
                       <m:oMathPara xmlns:m="http://schemas.openxmlformats.org/officeDocument/2006/math">
                         <m:oMathParaPr>
@@ -8094,7 +8878,7 @@
                           <m:sSubSup>
                             <m:sSubSupPr>
                               <m:ctrlPr>
-                                <a:rPr lang="zh-TW" altLang="en-US" smtClean="0">
+                                <a:rPr lang="zh-TW" altLang="en-US" i="1" smtClean="0">
                                   <a:solidFill>
                                     <a:srgbClr val="836967"/>
                                   </a:solidFill>
@@ -8138,7 +8922,7 @@
                 </p:txBody>
               </p:sp>
             </mc:Choice>
-            <mc:Fallback>
+            <mc:Fallback xmlns="">
               <p:sp>
                 <p:nvSpPr>
                   <p:cNvPr id="8" name="文字方塊 7">
@@ -8183,8 +8967,8 @@
               </p:sp>
             </mc:Fallback>
           </mc:AlternateContent>
-          <mc:AlternateContent xmlns:mc="http://schemas.openxmlformats.org/markup-compatibility/2006">
-            <mc:Choice xmlns:a14="http://schemas.microsoft.com/office/drawing/2010/main" Requires="a14">
+          <mc:AlternateContent xmlns:mc="http://schemas.openxmlformats.org/markup-compatibility/2006" xmlns:a14="http://schemas.microsoft.com/office/drawing/2010/main">
+            <mc:Choice Requires="a14">
               <p:sp>
                 <p:nvSpPr>
                   <p:cNvPr id="9" name="文字方塊 8">
@@ -8213,6 +8997,7 @@
                   </a:bodyPr>
                   <a:lstStyle/>
                   <a:p>
+                    <a:pPr/>
                     <a14:m>
                       <m:oMathPara xmlns:m="http://schemas.openxmlformats.org/officeDocument/2006/math">
                         <m:oMathParaPr>
@@ -8222,7 +9007,7 @@
                           <m:sSubSup>
                             <m:sSubSupPr>
                               <m:ctrlPr>
-                                <a:rPr lang="zh-TW" altLang="en-US" smtClean="0">
+                                <a:rPr lang="zh-TW" altLang="en-US" i="1" smtClean="0">
                                   <a:solidFill>
                                     <a:srgbClr val="836967"/>
                                   </a:solidFill>
@@ -8263,7 +9048,7 @@
                 </p:txBody>
               </p:sp>
             </mc:Choice>
-            <mc:Fallback>
+            <mc:Fallback xmlns="">
               <p:sp>
                 <p:nvSpPr>
                   <p:cNvPr id="9" name="文字方塊 8">
@@ -8308,8 +9093,8 @@
               </p:sp>
             </mc:Fallback>
           </mc:AlternateContent>
-          <mc:AlternateContent xmlns:mc="http://schemas.openxmlformats.org/markup-compatibility/2006">
-            <mc:Choice xmlns:a14="http://schemas.microsoft.com/office/drawing/2010/main" Requires="a14">
+          <mc:AlternateContent xmlns:mc="http://schemas.openxmlformats.org/markup-compatibility/2006" xmlns:a14="http://schemas.microsoft.com/office/drawing/2010/main">
+            <mc:Choice Requires="a14">
               <p:sp>
                 <p:nvSpPr>
                   <p:cNvPr id="10" name="文字方塊 9">
@@ -8338,6 +9123,7 @@
                   </a:bodyPr>
                   <a:lstStyle/>
                   <a:p>
+                    <a:pPr/>
                     <a14:m>
                       <m:oMathPara xmlns:m="http://schemas.openxmlformats.org/officeDocument/2006/math">
                         <m:oMathParaPr>
@@ -8347,7 +9133,7 @@
                           <m:sSub>
                             <m:sSubPr>
                               <m:ctrlPr>
-                                <a:rPr lang="zh-TW" altLang="en-US" smtClean="0">
+                                <a:rPr lang="zh-TW" altLang="en-US" i="1" smtClean="0">
                                   <a:solidFill>
                                     <a:srgbClr val="836967"/>
                                   </a:solidFill>
@@ -8380,7 +9166,7 @@
                 </p:txBody>
               </p:sp>
             </mc:Choice>
-            <mc:Fallback>
+            <mc:Fallback xmlns="">
               <p:sp>
                 <p:nvSpPr>
                   <p:cNvPr id="10" name="文字方塊 9">
@@ -8425,8 +9211,8 @@
               </p:sp>
             </mc:Fallback>
           </mc:AlternateContent>
-          <mc:AlternateContent xmlns:mc="http://schemas.openxmlformats.org/markup-compatibility/2006">
-            <mc:Choice xmlns:a14="http://schemas.microsoft.com/office/drawing/2010/main" Requires="a14">
+          <mc:AlternateContent xmlns:mc="http://schemas.openxmlformats.org/markup-compatibility/2006" xmlns:a14="http://schemas.microsoft.com/office/drawing/2010/main">
+            <mc:Choice Requires="a14">
               <p:sp>
                 <p:nvSpPr>
                   <p:cNvPr id="11" name="文字方塊 10">
@@ -8455,6 +9241,7 @@
                   </a:bodyPr>
                   <a:lstStyle/>
                   <a:p>
+                    <a:pPr/>
                     <a14:m>
                       <m:oMathPara xmlns:m="http://schemas.openxmlformats.org/officeDocument/2006/math">
                         <m:oMathParaPr>
@@ -8464,7 +9251,7 @@
                           <m:sSub>
                             <m:sSubPr>
                               <m:ctrlPr>
-                                <a:rPr lang="zh-TW" altLang="en-US" smtClean="0">
+                                <a:rPr lang="zh-TW" altLang="en-US" i="1" smtClean="0">
                                   <a:solidFill>
                                     <a:srgbClr val="836967"/>
                                   </a:solidFill>
@@ -8497,7 +9284,7 @@
                 </p:txBody>
               </p:sp>
             </mc:Choice>
-            <mc:Fallback>
+            <mc:Fallback xmlns="">
               <p:sp>
                 <p:nvSpPr>
                   <p:cNvPr id="11" name="文字方塊 10">
@@ -8563,8 +9350,8 @@
               <a:chExt cx="282632" cy="1701576"/>
             </a:xfrm>
           </p:grpSpPr>
-          <mc:AlternateContent xmlns:mc="http://schemas.openxmlformats.org/markup-compatibility/2006">
-            <mc:Choice xmlns:a14="http://schemas.microsoft.com/office/drawing/2010/main" Requires="a14">
+          <mc:AlternateContent xmlns:mc="http://schemas.openxmlformats.org/markup-compatibility/2006" xmlns:a14="http://schemas.microsoft.com/office/drawing/2010/main">
+            <mc:Choice Requires="a14">
               <p:sp>
                 <p:nvSpPr>
                   <p:cNvPr id="13" name="文字方塊 12">
@@ -8593,6 +9380,7 @@
                   </a:bodyPr>
                   <a:lstStyle/>
                   <a:p>
+                    <a:pPr/>
                     <a14:m>
                       <m:oMathPara xmlns:m="http://schemas.openxmlformats.org/officeDocument/2006/math">
                         <m:oMathParaPr>
@@ -8602,7 +9390,7 @@
                           <m:sSub>
                             <m:sSubPr>
                               <m:ctrlPr>
-                                <a:rPr lang="zh-TW" altLang="en-US" smtClean="0">
+                                <a:rPr lang="zh-TW" altLang="en-US" i="1" smtClean="0">
                                   <a:solidFill>
                                     <a:srgbClr val="836967"/>
                                   </a:solidFill>
@@ -8635,7 +9423,7 @@
                 </p:txBody>
               </p:sp>
             </mc:Choice>
-            <mc:Fallback>
+            <mc:Fallback xmlns="">
               <p:sp>
                 <p:nvSpPr>
                   <p:cNvPr id="13" name="文字方塊 12">
@@ -8680,8 +9468,8 @@
               </p:sp>
             </mc:Fallback>
           </mc:AlternateContent>
-          <mc:AlternateContent xmlns:mc="http://schemas.openxmlformats.org/markup-compatibility/2006">
-            <mc:Choice xmlns:a14="http://schemas.microsoft.com/office/drawing/2010/main" Requires="a14">
+          <mc:AlternateContent xmlns:mc="http://schemas.openxmlformats.org/markup-compatibility/2006" xmlns:a14="http://schemas.microsoft.com/office/drawing/2010/main">
+            <mc:Choice Requires="a14">
               <p:sp>
                 <p:nvSpPr>
                   <p:cNvPr id="14" name="文字方塊 13">
@@ -8710,6 +9498,7 @@
                   </a:bodyPr>
                   <a:lstStyle/>
                   <a:p>
+                    <a:pPr/>
                     <a14:m>
                       <m:oMathPara xmlns:m="http://schemas.openxmlformats.org/officeDocument/2006/math">
                         <m:oMathParaPr>
@@ -8719,7 +9508,7 @@
                           <m:sSub>
                             <m:sSubPr>
                               <m:ctrlPr>
-                                <a:rPr lang="zh-TW" altLang="en-US" smtClean="0">
+                                <a:rPr lang="zh-TW" altLang="en-US" i="1" smtClean="0">
                                   <a:solidFill>
                                     <a:srgbClr val="836967"/>
                                   </a:solidFill>
@@ -8752,7 +9541,7 @@
                 </p:txBody>
               </p:sp>
             </mc:Choice>
-            <mc:Fallback>
+            <mc:Fallback xmlns="">
               <p:sp>
                 <p:nvSpPr>
                   <p:cNvPr id="14" name="文字方塊 13">
@@ -8797,8 +9586,8 @@
               </p:sp>
             </mc:Fallback>
           </mc:AlternateContent>
-          <mc:AlternateContent xmlns:mc="http://schemas.openxmlformats.org/markup-compatibility/2006">
-            <mc:Choice xmlns:a14="http://schemas.microsoft.com/office/drawing/2010/main" Requires="a14">
+          <mc:AlternateContent xmlns:mc="http://schemas.openxmlformats.org/markup-compatibility/2006" xmlns:a14="http://schemas.microsoft.com/office/drawing/2010/main">
+            <mc:Choice Requires="a14">
               <p:sp>
                 <p:nvSpPr>
                   <p:cNvPr id="15" name="文字方塊 14">
@@ -8827,6 +9616,7 @@
                   </a:bodyPr>
                   <a:lstStyle/>
                   <a:p>
+                    <a:pPr/>
                     <a14:m>
                       <m:oMathPara xmlns:m="http://schemas.openxmlformats.org/officeDocument/2006/math">
                         <m:oMathParaPr>
@@ -8836,7 +9626,7 @@
                           <m:sSub>
                             <m:sSubPr>
                               <m:ctrlPr>
-                                <a:rPr lang="zh-TW" altLang="en-US" smtClean="0">
+                                <a:rPr lang="zh-TW" altLang="en-US" i="1" smtClean="0">
                                   <a:solidFill>
                                     <a:srgbClr val="836967"/>
                                   </a:solidFill>
@@ -8869,7 +9659,7 @@
                 </p:txBody>
               </p:sp>
             </mc:Choice>
-            <mc:Fallback>
+            <mc:Fallback xmlns="">
               <p:sp>
                 <p:nvSpPr>
                   <p:cNvPr id="15" name="文字方塊 14">
@@ -8914,8 +9704,8 @@
               </p:sp>
             </mc:Fallback>
           </mc:AlternateContent>
-          <mc:AlternateContent xmlns:mc="http://schemas.openxmlformats.org/markup-compatibility/2006">
-            <mc:Choice xmlns:a14="http://schemas.microsoft.com/office/drawing/2010/main" Requires="a14">
+          <mc:AlternateContent xmlns:mc="http://schemas.openxmlformats.org/markup-compatibility/2006" xmlns:a14="http://schemas.microsoft.com/office/drawing/2010/main">
+            <mc:Choice Requires="a14">
               <p:sp>
                 <p:nvSpPr>
                   <p:cNvPr id="16" name="文字方塊 15">
@@ -8944,6 +9734,7 @@
                   </a:bodyPr>
                   <a:lstStyle/>
                   <a:p>
+                    <a:pPr/>
                     <a14:m>
                       <m:oMathPara xmlns:m="http://schemas.openxmlformats.org/officeDocument/2006/math">
                         <m:oMathParaPr>
@@ -8953,7 +9744,7 @@
                           <m:sSub>
                             <m:sSubPr>
                               <m:ctrlPr>
-                                <a:rPr lang="zh-TW" altLang="en-US" smtClean="0">
+                                <a:rPr lang="zh-TW" altLang="en-US" i="1" smtClean="0">
                                   <a:solidFill>
                                     <a:srgbClr val="836967"/>
                                   </a:solidFill>
@@ -8986,7 +9777,7 @@
                 </p:txBody>
               </p:sp>
             </mc:Choice>
-            <mc:Fallback>
+            <mc:Fallback xmlns="">
               <p:sp>
                 <p:nvSpPr>
                   <p:cNvPr id="16" name="文字方塊 15">
@@ -9046,8 +9837,8 @@
           </p:nvSpPr>
           <p:spPr>
             <a:xfrm>
-              <a:off x="1953458" y="4178248"/>
-              <a:ext cx="2031325" cy="1853071"/>
+              <a:off x="1874893" y="4196591"/>
+              <a:ext cx="2608406" cy="1853071"/>
             </a:xfrm>
             <a:prstGeom prst="rect">
               <a:avLst/>
@@ -9070,7 +9861,21 @@
                   <a:latin typeface="標楷體" panose="03000509000000000000" pitchFamily="65" charset="-120"/>
                   <a:ea typeface="標楷體" panose="03000509000000000000" pitchFamily="65" charset="-120"/>
                 </a:rPr>
-                <a:t>投資組合回報</a:t>
+                <a:t>第</a:t>
+              </a:r>
+              <a:r>
+                <a:rPr lang="en-US" altLang="zh-TW" dirty="0" err="1">
+                  <a:latin typeface="標楷體" panose="03000509000000000000" pitchFamily="65" charset="-120"/>
+                  <a:ea typeface="標楷體" panose="03000509000000000000" pitchFamily="65" charset="-120"/>
+                </a:rPr>
+                <a:t>i</a:t>
+              </a:r>
+              <a:r>
+                <a:rPr lang="zh-TW" altLang="en-US" dirty="0">
+                  <a:latin typeface="標楷體" panose="03000509000000000000" pitchFamily="65" charset="-120"/>
+                  <a:ea typeface="標楷體" panose="03000509000000000000" pitchFamily="65" charset="-120"/>
+                </a:rPr>
+                <a:t>個標的的期望報酬</a:t>
               </a:r>
               <a:endParaRPr lang="en-US" altLang="zh-TW" dirty="0">
                 <a:latin typeface="標楷體" panose="03000509000000000000" pitchFamily="65" charset="-120"/>
@@ -9088,7 +9893,21 @@
                   <a:latin typeface="標楷體" panose="03000509000000000000" pitchFamily="65" charset="-120"/>
                   <a:ea typeface="標楷體" panose="03000509000000000000" pitchFamily="65" charset="-120"/>
                 </a:rPr>
-                <a:t>投資股票賣空權重</a:t>
+                <a:t>投資標的</a:t>
+              </a:r>
+              <a:r>
+                <a:rPr lang="en-US" altLang="zh-TW" dirty="0" err="1">
+                  <a:latin typeface="標楷體" panose="03000509000000000000" pitchFamily="65" charset="-120"/>
+                  <a:ea typeface="標楷體" panose="03000509000000000000" pitchFamily="65" charset="-120"/>
+                </a:rPr>
+                <a:t>i</a:t>
+              </a:r>
+              <a:r>
+                <a:rPr lang="zh-TW" altLang="en-US" dirty="0">
+                  <a:latin typeface="標楷體" panose="03000509000000000000" pitchFamily="65" charset="-120"/>
+                  <a:ea typeface="標楷體" panose="03000509000000000000" pitchFamily="65" charset="-120"/>
+                </a:rPr>
+                <a:t>買入權重</a:t>
               </a:r>
               <a:endParaRPr lang="en-US" altLang="zh-TW" dirty="0">
                 <a:latin typeface="標楷體" panose="03000509000000000000" pitchFamily="65" charset="-120"/>
@@ -9106,7 +9925,21 @@
                   <a:latin typeface="標楷體" panose="03000509000000000000" pitchFamily="65" charset="-120"/>
                   <a:ea typeface="標楷體" panose="03000509000000000000" pitchFamily="65" charset="-120"/>
                 </a:rPr>
-                <a:t>投資股票買入權重</a:t>
+                <a:t>投資標的</a:t>
+              </a:r>
+              <a:r>
+                <a:rPr lang="en-US" altLang="zh-TW" dirty="0" err="1">
+                  <a:latin typeface="標楷體" panose="03000509000000000000" pitchFamily="65" charset="-120"/>
+                  <a:ea typeface="標楷體" panose="03000509000000000000" pitchFamily="65" charset="-120"/>
+                </a:rPr>
+                <a:t>i</a:t>
+              </a:r>
+              <a:r>
+                <a:rPr lang="zh-TW" altLang="en-US" dirty="0">
+                  <a:latin typeface="標楷體" panose="03000509000000000000" pitchFamily="65" charset="-120"/>
+                  <a:ea typeface="標楷體" panose="03000509000000000000" pitchFamily="65" charset="-120"/>
+                </a:rPr>
+                <a:t>賣空權重</a:t>
               </a:r>
               <a:endParaRPr lang="en-US" altLang="zh-TW" dirty="0">
                 <a:latin typeface="標楷體" panose="03000509000000000000" pitchFamily="65" charset="-120"/>
@@ -9124,7 +9957,21 @@
                   <a:latin typeface="標楷體" panose="03000509000000000000" pitchFamily="65" charset="-120"/>
                   <a:ea typeface="標楷體" panose="03000509000000000000" pitchFamily="65" charset="-120"/>
                 </a:rPr>
-                <a:t>股票回報變異數</a:t>
+                <a:t>第</a:t>
+              </a:r>
+              <a:r>
+                <a:rPr lang="en-US" altLang="zh-TW" dirty="0" err="1">
+                  <a:latin typeface="標楷體" panose="03000509000000000000" pitchFamily="65" charset="-120"/>
+                  <a:ea typeface="標楷體" panose="03000509000000000000" pitchFamily="65" charset="-120"/>
+                </a:rPr>
+                <a:t>i</a:t>
+              </a:r>
+              <a:r>
+                <a:rPr lang="zh-TW" altLang="en-US" dirty="0">
+                  <a:latin typeface="標楷體" panose="03000509000000000000" pitchFamily="65" charset="-120"/>
+                  <a:ea typeface="標楷體" panose="03000509000000000000" pitchFamily="65" charset="-120"/>
+                </a:rPr>
+                <a:t>個標的的變異數</a:t>
               </a:r>
             </a:p>
             <a:p>
@@ -9138,7 +9985,21 @@
                   <a:latin typeface="標楷體" panose="03000509000000000000" pitchFamily="65" charset="-120"/>
                   <a:ea typeface="標楷體" panose="03000509000000000000" pitchFamily="65" charset="-120"/>
                 </a:rPr>
-                <a:t>股票回報共變異數</a:t>
+                <a:t>第</a:t>
+              </a:r>
+              <a:r>
+                <a:rPr lang="en-US" altLang="zh-TW" dirty="0" err="1">
+                  <a:latin typeface="標楷體" panose="03000509000000000000" pitchFamily="65" charset="-120"/>
+                  <a:ea typeface="標楷體" panose="03000509000000000000" pitchFamily="65" charset="-120"/>
+                </a:rPr>
+                <a:t>i,j</a:t>
+              </a:r>
+              <a:r>
+                <a:rPr lang="zh-TW" altLang="en-US" dirty="0">
+                  <a:latin typeface="標楷體" panose="03000509000000000000" pitchFamily="65" charset="-120"/>
+                  <a:ea typeface="標楷體" panose="03000509000000000000" pitchFamily="65" charset="-120"/>
+                </a:rPr>
+                <a:t>標的間的共變異數</a:t>
               </a:r>
             </a:p>
           </p:txBody>
@@ -9163,8 +10024,8 @@
               <a:chExt cx="654050" cy="1674951"/>
             </a:xfrm>
           </p:grpSpPr>
-          <mc:AlternateContent xmlns:mc="http://schemas.openxmlformats.org/markup-compatibility/2006">
-            <mc:Choice xmlns:a14="http://schemas.microsoft.com/office/drawing/2010/main" Requires="a14">
+          <mc:AlternateContent xmlns:mc="http://schemas.openxmlformats.org/markup-compatibility/2006" xmlns:a14="http://schemas.microsoft.com/office/drawing/2010/main">
+            <mc:Choice Requires="a14">
               <p:sp>
                 <p:nvSpPr>
                   <p:cNvPr id="19" name="文字方塊 18">
@@ -9193,6 +10054,7 @@
                   </a:bodyPr>
                   <a:lstStyle/>
                   <a:p>
+                    <a:pPr/>
                     <a14:m>
                       <m:oMathPara xmlns:m="http://schemas.openxmlformats.org/officeDocument/2006/math">
                         <m:oMathParaPr>
@@ -9202,7 +10064,7 @@
                           <m:sSubSup>
                             <m:sSubSupPr>
                               <m:ctrlPr>
-                                <a:rPr lang="zh-TW" altLang="en-US" smtClean="0">
+                                <a:rPr lang="zh-TW" altLang="en-US" i="1" smtClean="0">
                                   <a:solidFill>
                                     <a:srgbClr val="836967"/>
                                   </a:solidFill>
@@ -9243,7 +10105,7 @@
                 </p:txBody>
               </p:sp>
             </mc:Choice>
-            <mc:Fallback>
+            <mc:Fallback xmlns="">
               <p:sp>
                 <p:nvSpPr>
                   <p:cNvPr id="19" name="文字方塊 18">
@@ -9288,8 +10150,8 @@
               </p:sp>
             </mc:Fallback>
           </mc:AlternateContent>
-          <mc:AlternateContent xmlns:mc="http://schemas.openxmlformats.org/markup-compatibility/2006">
-            <mc:Choice xmlns:a14="http://schemas.microsoft.com/office/drawing/2010/main" Requires="a14">
+          <mc:AlternateContent xmlns:mc="http://schemas.openxmlformats.org/markup-compatibility/2006" xmlns:a14="http://schemas.microsoft.com/office/drawing/2010/main">
+            <mc:Choice Requires="a14">
               <p:sp>
                 <p:nvSpPr>
                   <p:cNvPr id="20" name="文字方塊 19">
@@ -9318,6 +10180,7 @@
                   </a:bodyPr>
                   <a:lstStyle/>
                   <a:p>
+                    <a:pPr/>
                     <a14:m>
                       <m:oMathPara xmlns:m="http://schemas.openxmlformats.org/officeDocument/2006/math">
                         <m:oMathParaPr>
@@ -9327,7 +10190,7 @@
                           <m:sSubSup>
                             <m:sSubSupPr>
                               <m:ctrlPr>
-                                <a:rPr lang="zh-TW" altLang="en-US" smtClean="0">
+                                <a:rPr lang="zh-TW" altLang="en-US" i="1" smtClean="0">
                                   <a:solidFill>
                                     <a:srgbClr val="836967"/>
                                   </a:solidFill>
@@ -9368,7 +10231,7 @@
                 </p:txBody>
               </p:sp>
             </mc:Choice>
-            <mc:Fallback>
+            <mc:Fallback xmlns="">
               <p:sp>
                 <p:nvSpPr>
                   <p:cNvPr id="20" name="文字方塊 19">
@@ -9413,8 +10276,8 @@
               </p:sp>
             </mc:Fallback>
           </mc:AlternateContent>
-          <mc:AlternateContent xmlns:mc="http://schemas.openxmlformats.org/markup-compatibility/2006">
-            <mc:Choice xmlns:a14="http://schemas.microsoft.com/office/drawing/2010/main" Requires="a14">
+          <mc:AlternateContent xmlns:mc="http://schemas.openxmlformats.org/markup-compatibility/2006" xmlns:a14="http://schemas.microsoft.com/office/drawing/2010/main">
+            <mc:Choice Requires="a14">
               <p:sp>
                 <p:nvSpPr>
                   <p:cNvPr id="21" name="文字方塊 20">
@@ -9443,6 +10306,7 @@
                   </a:bodyPr>
                   <a:lstStyle/>
                   <a:p>
+                    <a:pPr/>
                     <a14:m>
                       <m:oMathPara xmlns:m="http://schemas.openxmlformats.org/officeDocument/2006/math">
                         <m:oMathParaPr>
@@ -9452,7 +10316,7 @@
                           <m:sSubSup>
                             <m:sSubSupPr>
                               <m:ctrlPr>
-                                <a:rPr lang="zh-TW" altLang="en-US" smtClean="0">
+                                <a:rPr lang="zh-TW" altLang="en-US" i="1" smtClean="0">
                                   <a:solidFill>
                                     <a:srgbClr val="836967"/>
                                   </a:solidFill>
@@ -9493,7 +10357,7 @@
                 </p:txBody>
               </p:sp>
             </mc:Choice>
-            <mc:Fallback>
+            <mc:Fallback xmlns="">
               <p:sp>
                 <p:nvSpPr>
                   <p:cNvPr id="21" name="文字方塊 20">
@@ -9538,8 +10402,8 @@
               </p:sp>
             </mc:Fallback>
           </mc:AlternateContent>
-          <mc:AlternateContent xmlns:mc="http://schemas.openxmlformats.org/markup-compatibility/2006">
-            <mc:Choice xmlns:a14="http://schemas.microsoft.com/office/drawing/2010/main" Requires="a14">
+          <mc:AlternateContent xmlns:mc="http://schemas.openxmlformats.org/markup-compatibility/2006" xmlns:a14="http://schemas.microsoft.com/office/drawing/2010/main">
+            <mc:Choice Requires="a14">
               <p:sp>
                 <p:nvSpPr>
                   <p:cNvPr id="22" name="文字方塊 21">
@@ -9628,7 +10492,7 @@
                 </p:txBody>
               </p:sp>
             </mc:Choice>
-            <mc:Fallback>
+            <mc:Fallback xmlns="">
               <p:sp>
                 <p:nvSpPr>
                   <p:cNvPr id="22" name="文字方塊 21">
@@ -9841,7 +10705,7 @@
           </p:nvSpPr>
           <p:spPr>
             <a:xfrm>
-              <a:off x="7997202" y="4040603"/>
+              <a:off x="7900218" y="4054420"/>
               <a:ext cx="1338828" cy="1974900"/>
             </a:xfrm>
             <a:prstGeom prst="rect">
@@ -10190,10 +11054,10 @@
         </p:nvGrpSpPr>
         <p:grpSpPr>
           <a:xfrm>
-            <a:off x="3085269" y="4465115"/>
-            <a:ext cx="3059402" cy="1487587"/>
+            <a:off x="1982216" y="4394202"/>
+            <a:ext cx="4213564" cy="1487587"/>
             <a:chOff x="3085269" y="4465115"/>
-            <a:chExt cx="3059402" cy="1487587"/>
+            <a:chExt cx="4213564" cy="1487587"/>
           </a:xfrm>
         </p:grpSpPr>
         <p:sp>
@@ -10211,7 +11075,7 @@
           <p:spPr>
             <a:xfrm>
               <a:off x="3651681" y="4465115"/>
-              <a:ext cx="2492990" cy="1487587"/>
+              <a:ext cx="3647152" cy="1487587"/>
             </a:xfrm>
             <a:prstGeom prst="rect">
               <a:avLst/>
@@ -10234,7 +11098,7 @@
                   <a:latin typeface="標楷體" panose="03000509000000000000" pitchFamily="65" charset="-120"/>
                   <a:ea typeface="標楷體" panose="03000509000000000000" pitchFamily="65" charset="-120"/>
                 </a:rPr>
-                <a:t>投資股票先前買入權重</a:t>
+                <a:t>投資組合再平衡前一期的買入權重</a:t>
               </a:r>
               <a:endParaRPr lang="en-US" altLang="zh-TW" dirty="0">
                 <a:latin typeface="標楷體" panose="03000509000000000000" pitchFamily="65" charset="-120"/>
@@ -10252,7 +11116,7 @@
                   <a:latin typeface="標楷體" panose="03000509000000000000" pitchFamily="65" charset="-120"/>
                   <a:ea typeface="標楷體" panose="03000509000000000000" pitchFamily="65" charset="-120"/>
                 </a:rPr>
-                <a:t>投資股票先前賣空權重</a:t>
+                <a:t>投資組合再平衡前一期的賣空權重</a:t>
               </a:r>
               <a:endParaRPr lang="en-US" altLang="zh-TW" dirty="0">
                 <a:latin typeface="標楷體" panose="03000509000000000000" pitchFamily="65" charset="-120"/>
@@ -10266,12 +11130,16 @@
                 </a:lnSpc>
               </a:pPr>
               <a:r>
-                <a:rPr lang="en-US" altLang="zh-TW" dirty="0">
+                <a:rPr lang="zh-TW" altLang="en-US" dirty="0">
                   <a:latin typeface="標楷體" panose="03000509000000000000" pitchFamily="65" charset="-120"/>
                   <a:ea typeface="標楷體" panose="03000509000000000000" pitchFamily="65" charset="-120"/>
                 </a:rPr>
-                <a:t>K:</a:t>
+                <a:t>賣空成本調整</a:t>
               </a:r>
+              <a:endParaRPr lang="en-US" altLang="zh-TW" dirty="0">
+                <a:latin typeface="標楷體" panose="03000509000000000000" pitchFamily="65" charset="-120"/>
+                <a:ea typeface="標楷體" panose="03000509000000000000" pitchFamily="65" charset="-120"/>
+              </a:endParaRPr>
             </a:p>
           </p:txBody>
         </p:sp>
@@ -10295,8 +11163,8 @@
               <a:chExt cx="412229" cy="1316352"/>
             </a:xfrm>
           </p:grpSpPr>
-          <mc:AlternateContent xmlns:mc="http://schemas.openxmlformats.org/markup-compatibility/2006">
-            <mc:Choice xmlns:a14="http://schemas.microsoft.com/office/drawing/2010/main" Requires="a14">
+          <mc:AlternateContent xmlns:mc="http://schemas.openxmlformats.org/markup-compatibility/2006" xmlns:a14="http://schemas.microsoft.com/office/drawing/2010/main">
+            <mc:Choice Requires="a14">
               <p:sp>
                 <p:nvSpPr>
                   <p:cNvPr id="21" name="文字方塊 20">
@@ -10325,6 +11193,7 @@
                   </a:bodyPr>
                   <a:lstStyle/>
                   <a:p>
+                    <a:pPr/>
                     <a14:m>
                       <m:oMathPara xmlns:m="http://schemas.openxmlformats.org/officeDocument/2006/math">
                         <m:oMathParaPr>
@@ -10345,7 +11214,7 @@
                 </p:txBody>
               </p:sp>
             </mc:Choice>
-            <mc:Fallback>
+            <mc:Fallback xmlns="">
               <p:sp>
                 <p:nvSpPr>
                   <p:cNvPr id="21" name="文字方塊 20">
@@ -10390,8 +11259,8 @@
               </p:sp>
             </mc:Fallback>
           </mc:AlternateContent>
-          <mc:AlternateContent xmlns:mc="http://schemas.openxmlformats.org/markup-compatibility/2006">
-            <mc:Choice xmlns:a14="http://schemas.microsoft.com/office/drawing/2010/main" Requires="a14">
+          <mc:AlternateContent xmlns:mc="http://schemas.openxmlformats.org/markup-compatibility/2006" xmlns:a14="http://schemas.microsoft.com/office/drawing/2010/main">
+            <mc:Choice Requires="a14">
               <p:sp>
                 <p:nvSpPr>
                   <p:cNvPr id="22" name="文字方塊 21">
@@ -10420,6 +11289,7 @@
                   </a:bodyPr>
                   <a:lstStyle/>
                   <a:p>
+                    <a:pPr/>
                     <a14:m>
                       <m:oMathPara xmlns:m="http://schemas.openxmlformats.org/officeDocument/2006/math">
                         <m:oMathParaPr>
@@ -10429,7 +11299,7 @@
                           <m:sSubSup>
                             <m:sSubSupPr>
                               <m:ctrlPr>
-                                <a:rPr lang="zh-TW" altLang="en-US" smtClean="0">
+                                <a:rPr lang="zh-TW" altLang="en-US" i="1" smtClean="0">
                                   <a:solidFill>
                                     <a:srgbClr val="836967"/>
                                   </a:solidFill>
@@ -10470,7 +11340,7 @@
                 </p:txBody>
               </p:sp>
             </mc:Choice>
-            <mc:Fallback>
+            <mc:Fallback xmlns="">
               <p:sp>
                 <p:nvSpPr>
                   <p:cNvPr id="22" name="文字方塊 21">
@@ -10515,8 +11385,8 @@
               </p:sp>
             </mc:Fallback>
           </mc:AlternateContent>
-          <mc:AlternateContent xmlns:mc="http://schemas.openxmlformats.org/markup-compatibility/2006">
-            <mc:Choice xmlns:a14="http://schemas.microsoft.com/office/drawing/2010/main" Requires="a14">
+          <mc:AlternateContent xmlns:mc="http://schemas.openxmlformats.org/markup-compatibility/2006" xmlns:a14="http://schemas.microsoft.com/office/drawing/2010/main">
+            <mc:Choice Requires="a14">
               <p:sp>
                 <p:nvSpPr>
                   <p:cNvPr id="23" name="文字方塊 22">
@@ -10545,6 +11415,7 @@
                   </a:bodyPr>
                   <a:lstStyle/>
                   <a:p>
+                    <a:pPr/>
                     <a14:m>
                       <m:oMathPara xmlns:m="http://schemas.openxmlformats.org/officeDocument/2006/math">
                         <m:oMathParaPr>
@@ -10554,7 +11425,7 @@
                           <m:sSubSup>
                             <m:sSubSupPr>
                               <m:ctrlPr>
-                                <a:rPr lang="zh-TW" altLang="en-US" smtClean="0">
+                                <a:rPr lang="zh-TW" altLang="en-US" i="1" smtClean="0">
                                   <a:solidFill>
                                     <a:srgbClr val="836967"/>
                                   </a:solidFill>
@@ -10595,7 +11466,7 @@
                 </p:txBody>
               </p:sp>
             </mc:Choice>
-            <mc:Fallback>
+            <mc:Fallback xmlns="">
               <p:sp>
                 <p:nvSpPr>
                   <p:cNvPr id="23" name="文字方塊 22">
@@ -10656,10 +11527,10 @@
         </p:nvGrpSpPr>
         <p:grpSpPr>
           <a:xfrm>
-            <a:off x="7212203" y="4465115"/>
-            <a:ext cx="2440674" cy="1507136"/>
+            <a:off x="6378034" y="4394202"/>
+            <a:ext cx="5326080" cy="1507136"/>
             <a:chOff x="7212203" y="4465115"/>
-            <a:chExt cx="2440674" cy="1507136"/>
+            <a:chExt cx="5326080" cy="1507136"/>
           </a:xfrm>
         </p:grpSpPr>
         <p:sp>
@@ -10677,7 +11548,7 @@
           <p:spPr>
             <a:xfrm>
               <a:off x="7621552" y="4465115"/>
-              <a:ext cx="2031325" cy="1487587"/>
+              <a:ext cx="4916731" cy="1487587"/>
             </a:xfrm>
             <a:prstGeom prst="rect">
               <a:avLst/>
@@ -10700,7 +11571,63 @@
                   <a:latin typeface="標楷體" panose="03000509000000000000" pitchFamily="65" charset="-120"/>
                   <a:ea typeface="標楷體" panose="03000509000000000000" pitchFamily="65" charset="-120"/>
                 </a:rPr>
-                <a:t>買入因子</a:t>
+                <a:t>值為</a:t>
+              </a:r>
+              <a:r>
+                <a:rPr lang="en-US" altLang="zh-TW" dirty="0">
+                  <a:latin typeface="標楷體" panose="03000509000000000000" pitchFamily="65" charset="-120"/>
+                  <a:ea typeface="標楷體" panose="03000509000000000000" pitchFamily="65" charset="-120"/>
+                </a:rPr>
+                <a:t>0</a:t>
+              </a:r>
+              <a:r>
+                <a:rPr lang="zh-TW" altLang="en-US" dirty="0">
+                  <a:latin typeface="標楷體" panose="03000509000000000000" pitchFamily="65" charset="-120"/>
+                  <a:ea typeface="標楷體" panose="03000509000000000000" pitchFamily="65" charset="-120"/>
+                </a:rPr>
+                <a:t>代表沒有買入第</a:t>
+              </a:r>
+              <a:r>
+                <a:rPr lang="en-US" altLang="zh-TW" dirty="0" err="1">
+                  <a:latin typeface="標楷體" panose="03000509000000000000" pitchFamily="65" charset="-120"/>
+                  <a:ea typeface="標楷體" panose="03000509000000000000" pitchFamily="65" charset="-120"/>
+                </a:rPr>
+                <a:t>i</a:t>
+              </a:r>
+              <a:r>
+                <a:rPr lang="zh-TW" altLang="en-US" dirty="0">
+                  <a:latin typeface="標楷體" panose="03000509000000000000" pitchFamily="65" charset="-120"/>
+                  <a:ea typeface="標楷體" panose="03000509000000000000" pitchFamily="65" charset="-120"/>
+                </a:rPr>
+                <a:t>個標的</a:t>
+              </a:r>
+              <a:r>
+                <a:rPr lang="en-US" altLang="zh-TW" dirty="0">
+                  <a:latin typeface="標楷體" panose="03000509000000000000" pitchFamily="65" charset="-120"/>
+                  <a:ea typeface="標楷體" panose="03000509000000000000" pitchFamily="65" charset="-120"/>
+                </a:rPr>
+                <a:t>, </a:t>
+              </a:r>
+              <a:r>
+                <a:rPr lang="zh-TW" altLang="en-US" dirty="0">
+                  <a:latin typeface="標楷體" panose="03000509000000000000" pitchFamily="65" charset="-120"/>
+                  <a:ea typeface="標楷體" panose="03000509000000000000" pitchFamily="65" charset="-120"/>
+                </a:rPr>
+                <a:t>為</a:t>
+              </a:r>
+              <a:r>
+                <a:rPr lang="en-US" altLang="zh-TW" dirty="0">
+                  <a:latin typeface="標楷體" panose="03000509000000000000" pitchFamily="65" charset="-120"/>
+                  <a:ea typeface="標楷體" panose="03000509000000000000" pitchFamily="65" charset="-120"/>
+                </a:rPr>
+                <a:t>1</a:t>
+              </a:r>
+              <a:r>
+                <a:rPr lang="zh-TW" altLang="en-US" dirty="0">
+                  <a:latin typeface="標楷體" panose="03000509000000000000" pitchFamily="65" charset="-120"/>
+                  <a:ea typeface="標楷體" panose="03000509000000000000" pitchFamily="65" charset="-120"/>
+                </a:rPr>
+                <a:t>代表有買入</a:t>
               </a:r>
               <a:endParaRPr lang="en-US" altLang="zh-TW" dirty="0">
                 <a:latin typeface="標楷體" panose="03000509000000000000" pitchFamily="65" charset="-120"/>
@@ -10718,7 +11645,63 @@
                   <a:latin typeface="標楷體" panose="03000509000000000000" pitchFamily="65" charset="-120"/>
                   <a:ea typeface="標楷體" panose="03000509000000000000" pitchFamily="65" charset="-120"/>
                 </a:rPr>
-                <a:t>賣空因子</a:t>
+                <a:t>值為</a:t>
+              </a:r>
+              <a:r>
+                <a:rPr lang="en-US" altLang="zh-TW" dirty="0">
+                  <a:latin typeface="標楷體" panose="03000509000000000000" pitchFamily="65" charset="-120"/>
+                  <a:ea typeface="標楷體" panose="03000509000000000000" pitchFamily="65" charset="-120"/>
+                </a:rPr>
+                <a:t>0</a:t>
+              </a:r>
+              <a:r>
+                <a:rPr lang="zh-TW" altLang="en-US" dirty="0">
+                  <a:latin typeface="標楷體" panose="03000509000000000000" pitchFamily="65" charset="-120"/>
+                  <a:ea typeface="標楷體" panose="03000509000000000000" pitchFamily="65" charset="-120"/>
+                </a:rPr>
+                <a:t>代表沒有買入第</a:t>
+              </a:r>
+              <a:r>
+                <a:rPr lang="en-US" altLang="zh-TW" dirty="0" err="1">
+                  <a:latin typeface="標楷體" panose="03000509000000000000" pitchFamily="65" charset="-120"/>
+                  <a:ea typeface="標楷體" panose="03000509000000000000" pitchFamily="65" charset="-120"/>
+                </a:rPr>
+                <a:t>i</a:t>
+              </a:r>
+              <a:r>
+                <a:rPr lang="zh-TW" altLang="en-US" dirty="0">
+                  <a:latin typeface="標楷體" panose="03000509000000000000" pitchFamily="65" charset="-120"/>
+                  <a:ea typeface="標楷體" panose="03000509000000000000" pitchFamily="65" charset="-120"/>
+                </a:rPr>
+                <a:t>個標的</a:t>
+              </a:r>
+              <a:r>
+                <a:rPr lang="en-US" altLang="zh-TW" dirty="0">
+                  <a:latin typeface="標楷體" panose="03000509000000000000" pitchFamily="65" charset="-120"/>
+                  <a:ea typeface="標楷體" panose="03000509000000000000" pitchFamily="65" charset="-120"/>
+                </a:rPr>
+                <a:t>, </a:t>
+              </a:r>
+              <a:r>
+                <a:rPr lang="zh-TW" altLang="en-US" dirty="0">
+                  <a:latin typeface="標楷體" panose="03000509000000000000" pitchFamily="65" charset="-120"/>
+                  <a:ea typeface="標楷體" panose="03000509000000000000" pitchFamily="65" charset="-120"/>
+                </a:rPr>
+                <a:t>為</a:t>
+              </a:r>
+              <a:r>
+                <a:rPr lang="en-US" altLang="zh-TW" dirty="0">
+                  <a:latin typeface="標楷體" panose="03000509000000000000" pitchFamily="65" charset="-120"/>
+                  <a:ea typeface="標楷體" panose="03000509000000000000" pitchFamily="65" charset="-120"/>
+                </a:rPr>
+                <a:t>1</a:t>
+              </a:r>
+              <a:r>
+                <a:rPr lang="zh-TW" altLang="en-US" dirty="0">
+                  <a:latin typeface="標楷體" panose="03000509000000000000" pitchFamily="65" charset="-120"/>
+                  <a:ea typeface="標楷體" panose="03000509000000000000" pitchFamily="65" charset="-120"/>
+                </a:rPr>
+                <a:t>代表有買入</a:t>
               </a:r>
               <a:endParaRPr lang="en-US" altLang="zh-TW" dirty="0">
                 <a:latin typeface="標楷體" panose="03000509000000000000" pitchFamily="65" charset="-120"/>
@@ -10736,7 +11719,21 @@
                   <a:latin typeface="標楷體" panose="03000509000000000000" pitchFamily="65" charset="-120"/>
                   <a:ea typeface="標楷體" panose="03000509000000000000" pitchFamily="65" charset="-120"/>
                 </a:rPr>
-                <a:t>買入賣空平衡因子</a:t>
+                <a:t>強制第</a:t>
+              </a:r>
+              <a:r>
+                <a:rPr lang="en-US" altLang="zh-TW" dirty="0" err="1">
+                  <a:latin typeface="標楷體" panose="03000509000000000000" pitchFamily="65" charset="-120"/>
+                  <a:ea typeface="標楷體" panose="03000509000000000000" pitchFamily="65" charset="-120"/>
+                </a:rPr>
+                <a:t>i</a:t>
+              </a:r>
+              <a:r>
+                <a:rPr lang="zh-TW" altLang="en-US" dirty="0">
+                  <a:latin typeface="標楷體" panose="03000509000000000000" pitchFamily="65" charset="-120"/>
+                  <a:ea typeface="標楷體" panose="03000509000000000000" pitchFamily="65" charset="-120"/>
+                </a:rPr>
+                <a:t>個標的只能買入或賣空</a:t>
               </a:r>
             </a:p>
           </p:txBody>
@@ -10761,8 +11758,8 @@
               <a:chExt cx="260584" cy="1037383"/>
             </a:xfrm>
           </p:grpSpPr>
-          <mc:AlternateContent xmlns:mc="http://schemas.openxmlformats.org/markup-compatibility/2006">
-            <mc:Choice xmlns:a14="http://schemas.microsoft.com/office/drawing/2010/main" Requires="a14">
+          <mc:AlternateContent xmlns:mc="http://schemas.openxmlformats.org/markup-compatibility/2006" xmlns:a14="http://schemas.microsoft.com/office/drawing/2010/main">
+            <mc:Choice Requires="a14">
               <p:sp>
                 <p:nvSpPr>
                   <p:cNvPr id="25" name="文字方塊 24">
@@ -10791,6 +11788,7 @@
                   </a:bodyPr>
                   <a:lstStyle/>
                   <a:p>
+                    <a:pPr/>
                     <a14:m>
                       <m:oMathPara xmlns:m="http://schemas.openxmlformats.org/officeDocument/2006/math">
                         <m:oMathParaPr>
@@ -10800,7 +11798,7 @@
                           <m:sSub>
                             <m:sSubPr>
                               <m:ctrlPr>
-                                <a:rPr lang="zh-TW" altLang="en-US" smtClean="0">
+                                <a:rPr lang="zh-TW" altLang="en-US" i="1" smtClean="0">
                                   <a:solidFill>
                                     <a:srgbClr val="836967"/>
                                   </a:solidFill>
@@ -10833,7 +11831,7 @@
                 </p:txBody>
               </p:sp>
             </mc:Choice>
-            <mc:Fallback>
+            <mc:Fallback xmlns="">
               <p:sp>
                 <p:nvSpPr>
                   <p:cNvPr id="25" name="文字方塊 24">
@@ -10878,8 +11876,8 @@
               </p:sp>
             </mc:Fallback>
           </mc:AlternateContent>
-          <mc:AlternateContent xmlns:mc="http://schemas.openxmlformats.org/markup-compatibility/2006">
-            <mc:Choice xmlns:a14="http://schemas.microsoft.com/office/drawing/2010/main" Requires="a14">
+          <mc:AlternateContent xmlns:mc="http://schemas.openxmlformats.org/markup-compatibility/2006" xmlns:a14="http://schemas.microsoft.com/office/drawing/2010/main">
+            <mc:Choice Requires="a14">
               <p:sp>
                 <p:nvSpPr>
                   <p:cNvPr id="26" name="文字方塊 25">
@@ -10908,6 +11906,7 @@
                   </a:bodyPr>
                   <a:lstStyle/>
                   <a:p>
+                    <a:pPr/>
                     <a14:m>
                       <m:oMathPara xmlns:m="http://schemas.openxmlformats.org/officeDocument/2006/math">
                         <m:oMathParaPr>
@@ -10917,7 +11916,7 @@
                           <m:sSub>
                             <m:sSubPr>
                               <m:ctrlPr>
-                                <a:rPr lang="zh-TW" altLang="en-US" smtClean="0">
+                                <a:rPr lang="zh-TW" altLang="en-US" i="1" smtClean="0">
                                   <a:solidFill>
                                     <a:srgbClr val="836967"/>
                                   </a:solidFill>
@@ -10950,7 +11949,7 @@
                 </p:txBody>
               </p:sp>
             </mc:Choice>
-            <mc:Fallback>
+            <mc:Fallback xmlns="">
               <p:sp>
                 <p:nvSpPr>
                   <p:cNvPr id="26" name="文字方塊 25">
@@ -10995,8 +11994,8 @@
               </p:sp>
             </mc:Fallback>
           </mc:AlternateContent>
-          <mc:AlternateContent xmlns:mc="http://schemas.openxmlformats.org/markup-compatibility/2006">
-            <mc:Choice xmlns:a14="http://schemas.microsoft.com/office/drawing/2010/main" Requires="a14">
+          <mc:AlternateContent xmlns:mc="http://schemas.openxmlformats.org/markup-compatibility/2006" xmlns:a14="http://schemas.microsoft.com/office/drawing/2010/main">
+            <mc:Choice Requires="a14">
               <p:sp>
                 <p:nvSpPr>
                   <p:cNvPr id="27" name="文字方塊 26">
@@ -11025,6 +12024,7 @@
                   </a:bodyPr>
                   <a:lstStyle/>
                   <a:p>
+                    <a:pPr/>
                     <a14:m>
                       <m:oMathPara xmlns:m="http://schemas.openxmlformats.org/officeDocument/2006/math">
                         <m:oMathParaPr>
@@ -11034,7 +12034,7 @@
                           <m:sSub>
                             <m:sSubPr>
                               <m:ctrlPr>
-                                <a:rPr lang="zh-TW" altLang="en-US" smtClean="0">
+                                <a:rPr lang="zh-TW" altLang="en-US" i="1" smtClean="0">
                                   <a:solidFill>
                                     <a:srgbClr val="836967"/>
                                   </a:solidFill>
@@ -11067,7 +12067,7 @@
                 </p:txBody>
               </p:sp>
             </mc:Choice>
-            <mc:Fallback>
+            <mc:Fallback xmlns="">
               <p:sp>
                 <p:nvSpPr>
                   <p:cNvPr id="27" name="文字方塊 26">
@@ -11825,8 +12825,8 @@
           </a:p>
         </p:txBody>
       </p:sp>
-      <mc:AlternateContent xmlns:mc="http://schemas.openxmlformats.org/markup-compatibility/2006">
-        <mc:Choice xmlns:a14="http://schemas.microsoft.com/office/drawing/2010/main" Requires="a14">
+      <mc:AlternateContent xmlns:mc="http://schemas.openxmlformats.org/markup-compatibility/2006" xmlns:a14="http://schemas.microsoft.com/office/drawing/2010/main">
+        <mc:Choice Requires="a14">
           <p:sp>
             <p:nvSpPr>
               <p:cNvPr id="24" name="文字方塊 23">
@@ -11855,6 +12855,7 @@
               </a:bodyPr>
               <a:lstStyle/>
               <a:p>
+                <a:pPr/>
                 <a14:m>
                   <m:oMathPara xmlns:m="http://schemas.openxmlformats.org/officeDocument/2006/math">
                     <m:oMathParaPr>
@@ -11956,7 +12957,7 @@
             </p:txBody>
           </p:sp>
         </mc:Choice>
-        <mc:Fallback>
+        <mc:Fallback xmlns="">
           <p:sp>
             <p:nvSpPr>
               <p:cNvPr id="24" name="文字方塊 23">
@@ -12015,10 +13016,10 @@
         </p:nvGrpSpPr>
         <p:grpSpPr>
           <a:xfrm>
-            <a:off x="7123426" y="4314425"/>
-            <a:ext cx="2440674" cy="1507136"/>
+            <a:off x="6422090" y="4349575"/>
+            <a:ext cx="5326080" cy="1507136"/>
             <a:chOff x="7212203" y="4465115"/>
-            <a:chExt cx="2440674" cy="1507136"/>
+            <a:chExt cx="5326080" cy="1507136"/>
           </a:xfrm>
         </p:grpSpPr>
         <p:sp>
@@ -12036,7 +13037,7 @@
           <p:spPr>
             <a:xfrm>
               <a:off x="7621552" y="4465115"/>
-              <a:ext cx="2031325" cy="1487587"/>
+              <a:ext cx="4916731" cy="1487587"/>
             </a:xfrm>
             <a:prstGeom prst="rect">
               <a:avLst/>
@@ -12059,7 +13060,63 @@
                   <a:latin typeface="標楷體" panose="03000509000000000000" pitchFamily="65" charset="-120"/>
                   <a:ea typeface="標楷體" panose="03000509000000000000" pitchFamily="65" charset="-120"/>
                 </a:rPr>
-                <a:t>買入因子</a:t>
+                <a:t>值為</a:t>
+              </a:r>
+              <a:r>
+                <a:rPr lang="en-US" altLang="zh-TW" dirty="0">
+                  <a:latin typeface="標楷體" panose="03000509000000000000" pitchFamily="65" charset="-120"/>
+                  <a:ea typeface="標楷體" panose="03000509000000000000" pitchFamily="65" charset="-120"/>
+                </a:rPr>
+                <a:t>0</a:t>
+              </a:r>
+              <a:r>
+                <a:rPr lang="zh-TW" altLang="en-US" dirty="0">
+                  <a:latin typeface="標楷體" panose="03000509000000000000" pitchFamily="65" charset="-120"/>
+                  <a:ea typeface="標楷體" panose="03000509000000000000" pitchFamily="65" charset="-120"/>
+                </a:rPr>
+                <a:t>代表沒有買入第</a:t>
+              </a:r>
+              <a:r>
+                <a:rPr lang="en-US" altLang="zh-TW" dirty="0" err="1">
+                  <a:latin typeface="標楷體" panose="03000509000000000000" pitchFamily="65" charset="-120"/>
+                  <a:ea typeface="標楷體" panose="03000509000000000000" pitchFamily="65" charset="-120"/>
+                </a:rPr>
+                <a:t>i</a:t>
+              </a:r>
+              <a:r>
+                <a:rPr lang="zh-TW" altLang="en-US" dirty="0">
+                  <a:latin typeface="標楷體" panose="03000509000000000000" pitchFamily="65" charset="-120"/>
+                  <a:ea typeface="標楷體" panose="03000509000000000000" pitchFamily="65" charset="-120"/>
+                </a:rPr>
+                <a:t>個標的</a:t>
+              </a:r>
+              <a:r>
+                <a:rPr lang="en-US" altLang="zh-TW" dirty="0">
+                  <a:latin typeface="標楷體" panose="03000509000000000000" pitchFamily="65" charset="-120"/>
+                  <a:ea typeface="標楷體" panose="03000509000000000000" pitchFamily="65" charset="-120"/>
+                </a:rPr>
+                <a:t>, </a:t>
+              </a:r>
+              <a:r>
+                <a:rPr lang="zh-TW" altLang="en-US" dirty="0">
+                  <a:latin typeface="標楷體" panose="03000509000000000000" pitchFamily="65" charset="-120"/>
+                  <a:ea typeface="標楷體" panose="03000509000000000000" pitchFamily="65" charset="-120"/>
+                </a:rPr>
+                <a:t>為</a:t>
+              </a:r>
+              <a:r>
+                <a:rPr lang="en-US" altLang="zh-TW" dirty="0">
+                  <a:latin typeface="標楷體" panose="03000509000000000000" pitchFamily="65" charset="-120"/>
+                  <a:ea typeface="標楷體" panose="03000509000000000000" pitchFamily="65" charset="-120"/>
+                </a:rPr>
+                <a:t>1</a:t>
+              </a:r>
+              <a:r>
+                <a:rPr lang="zh-TW" altLang="en-US" dirty="0">
+                  <a:latin typeface="標楷體" panose="03000509000000000000" pitchFamily="65" charset="-120"/>
+                  <a:ea typeface="標楷體" panose="03000509000000000000" pitchFamily="65" charset="-120"/>
+                </a:rPr>
+                <a:t>代表有買入</a:t>
               </a:r>
               <a:endParaRPr lang="en-US" altLang="zh-TW" dirty="0">
                 <a:latin typeface="標楷體" panose="03000509000000000000" pitchFamily="65" charset="-120"/>
@@ -12077,7 +13134,63 @@
                   <a:latin typeface="標楷體" panose="03000509000000000000" pitchFamily="65" charset="-120"/>
                   <a:ea typeface="標楷體" panose="03000509000000000000" pitchFamily="65" charset="-120"/>
                 </a:rPr>
-                <a:t>賣空因子</a:t>
+                <a:t>值為</a:t>
+              </a:r>
+              <a:r>
+                <a:rPr lang="en-US" altLang="zh-TW" dirty="0">
+                  <a:latin typeface="標楷體" panose="03000509000000000000" pitchFamily="65" charset="-120"/>
+                  <a:ea typeface="標楷體" panose="03000509000000000000" pitchFamily="65" charset="-120"/>
+                </a:rPr>
+                <a:t>0</a:t>
+              </a:r>
+              <a:r>
+                <a:rPr lang="zh-TW" altLang="en-US" dirty="0">
+                  <a:latin typeface="標楷體" panose="03000509000000000000" pitchFamily="65" charset="-120"/>
+                  <a:ea typeface="標楷體" panose="03000509000000000000" pitchFamily="65" charset="-120"/>
+                </a:rPr>
+                <a:t>代表沒有買入第</a:t>
+              </a:r>
+              <a:r>
+                <a:rPr lang="en-US" altLang="zh-TW" dirty="0" err="1">
+                  <a:latin typeface="標楷體" panose="03000509000000000000" pitchFamily="65" charset="-120"/>
+                  <a:ea typeface="標楷體" panose="03000509000000000000" pitchFamily="65" charset="-120"/>
+                </a:rPr>
+                <a:t>i</a:t>
+              </a:r>
+              <a:r>
+                <a:rPr lang="zh-TW" altLang="en-US" dirty="0">
+                  <a:latin typeface="標楷體" panose="03000509000000000000" pitchFamily="65" charset="-120"/>
+                  <a:ea typeface="標楷體" panose="03000509000000000000" pitchFamily="65" charset="-120"/>
+                </a:rPr>
+                <a:t>個標的</a:t>
+              </a:r>
+              <a:r>
+                <a:rPr lang="en-US" altLang="zh-TW" dirty="0">
+                  <a:latin typeface="標楷體" panose="03000509000000000000" pitchFamily="65" charset="-120"/>
+                  <a:ea typeface="標楷體" panose="03000509000000000000" pitchFamily="65" charset="-120"/>
+                </a:rPr>
+                <a:t>, </a:t>
+              </a:r>
+              <a:r>
+                <a:rPr lang="zh-TW" altLang="en-US" dirty="0">
+                  <a:latin typeface="標楷體" panose="03000509000000000000" pitchFamily="65" charset="-120"/>
+                  <a:ea typeface="標楷體" panose="03000509000000000000" pitchFamily="65" charset="-120"/>
+                </a:rPr>
+                <a:t>為</a:t>
+              </a:r>
+              <a:r>
+                <a:rPr lang="en-US" altLang="zh-TW" dirty="0">
+                  <a:latin typeface="標楷體" panose="03000509000000000000" pitchFamily="65" charset="-120"/>
+                  <a:ea typeface="標楷體" panose="03000509000000000000" pitchFamily="65" charset="-120"/>
+                </a:rPr>
+                <a:t>1</a:t>
+              </a:r>
+              <a:r>
+                <a:rPr lang="zh-TW" altLang="en-US" dirty="0">
+                  <a:latin typeface="標楷體" panose="03000509000000000000" pitchFamily="65" charset="-120"/>
+                  <a:ea typeface="標楷體" panose="03000509000000000000" pitchFamily="65" charset="-120"/>
+                </a:rPr>
+                <a:t>代表有買入</a:t>
               </a:r>
               <a:endParaRPr lang="en-US" altLang="zh-TW" dirty="0">
                 <a:latin typeface="標楷體" panose="03000509000000000000" pitchFamily="65" charset="-120"/>
@@ -12095,7 +13208,21 @@
                   <a:latin typeface="標楷體" panose="03000509000000000000" pitchFamily="65" charset="-120"/>
                   <a:ea typeface="標楷體" panose="03000509000000000000" pitchFamily="65" charset="-120"/>
                 </a:rPr>
-                <a:t>買入賣空平衡因子</a:t>
+                <a:t>強制第</a:t>
+              </a:r>
+              <a:r>
+                <a:rPr lang="en-US" altLang="zh-TW" dirty="0" err="1">
+                  <a:latin typeface="標楷體" panose="03000509000000000000" pitchFamily="65" charset="-120"/>
+                  <a:ea typeface="標楷體" panose="03000509000000000000" pitchFamily="65" charset="-120"/>
+                </a:rPr>
+                <a:t>i</a:t>
+              </a:r>
+              <a:r>
+                <a:rPr lang="zh-TW" altLang="en-US" dirty="0">
+                  <a:latin typeface="標楷體" panose="03000509000000000000" pitchFamily="65" charset="-120"/>
+                  <a:ea typeface="標楷體" panose="03000509000000000000" pitchFamily="65" charset="-120"/>
+                </a:rPr>
+                <a:t>個標的只能買入或賣空</a:t>
               </a:r>
             </a:p>
           </p:txBody>
@@ -12120,8 +13247,8 @@
               <a:chExt cx="260584" cy="1037383"/>
             </a:xfrm>
           </p:grpSpPr>
-          <mc:AlternateContent xmlns:mc="http://schemas.openxmlformats.org/markup-compatibility/2006">
-            <mc:Choice xmlns:a14="http://schemas.microsoft.com/office/drawing/2010/main" Requires="a14">
+          <mc:AlternateContent xmlns:mc="http://schemas.openxmlformats.org/markup-compatibility/2006" xmlns:a14="http://schemas.microsoft.com/office/drawing/2010/main">
+            <mc:Choice Requires="a14">
               <p:sp>
                 <p:nvSpPr>
                   <p:cNvPr id="34" name="文字方塊 33">
@@ -12150,6 +13277,7 @@
                   </a:bodyPr>
                   <a:lstStyle/>
                   <a:p>
+                    <a:pPr/>
                     <a14:m>
                       <m:oMathPara xmlns:m="http://schemas.openxmlformats.org/officeDocument/2006/math">
                         <m:oMathParaPr>
@@ -12159,7 +13287,7 @@
                           <m:sSub>
                             <m:sSubPr>
                               <m:ctrlPr>
-                                <a:rPr lang="zh-TW" altLang="en-US" smtClean="0">
+                                <a:rPr lang="zh-TW" altLang="en-US" i="1" smtClean="0">
                                   <a:solidFill>
                                     <a:srgbClr val="836967"/>
                                   </a:solidFill>
@@ -12192,7 +13320,7 @@
                 </p:txBody>
               </p:sp>
             </mc:Choice>
-            <mc:Fallback>
+            <mc:Fallback xmlns="">
               <p:sp>
                 <p:nvSpPr>
                   <p:cNvPr id="34" name="文字方塊 33">
@@ -12237,8 +13365,8 @@
               </p:sp>
             </mc:Fallback>
           </mc:AlternateContent>
-          <mc:AlternateContent xmlns:mc="http://schemas.openxmlformats.org/markup-compatibility/2006">
-            <mc:Choice xmlns:a14="http://schemas.microsoft.com/office/drawing/2010/main" Requires="a14">
+          <mc:AlternateContent xmlns:mc="http://schemas.openxmlformats.org/markup-compatibility/2006" xmlns:a14="http://schemas.microsoft.com/office/drawing/2010/main">
+            <mc:Choice Requires="a14">
               <p:sp>
                 <p:nvSpPr>
                   <p:cNvPr id="35" name="文字方塊 34">
@@ -12267,6 +13395,7 @@
                   </a:bodyPr>
                   <a:lstStyle/>
                   <a:p>
+                    <a:pPr/>
                     <a14:m>
                       <m:oMathPara xmlns:m="http://schemas.openxmlformats.org/officeDocument/2006/math">
                         <m:oMathParaPr>
@@ -12276,7 +13405,7 @@
                           <m:sSub>
                             <m:sSubPr>
                               <m:ctrlPr>
-                                <a:rPr lang="zh-TW" altLang="en-US" smtClean="0">
+                                <a:rPr lang="zh-TW" altLang="en-US" i="1" smtClean="0">
                                   <a:solidFill>
                                     <a:srgbClr val="836967"/>
                                   </a:solidFill>
@@ -12309,7 +13438,7 @@
                 </p:txBody>
               </p:sp>
             </mc:Choice>
-            <mc:Fallback>
+            <mc:Fallback xmlns="">
               <p:sp>
                 <p:nvSpPr>
                   <p:cNvPr id="35" name="文字方塊 34">
@@ -12354,8 +13483,8 @@
               </p:sp>
             </mc:Fallback>
           </mc:AlternateContent>
-          <mc:AlternateContent xmlns:mc="http://schemas.openxmlformats.org/markup-compatibility/2006">
-            <mc:Choice xmlns:a14="http://schemas.microsoft.com/office/drawing/2010/main" Requires="a14">
+          <mc:AlternateContent xmlns:mc="http://schemas.openxmlformats.org/markup-compatibility/2006" xmlns:a14="http://schemas.microsoft.com/office/drawing/2010/main">
+            <mc:Choice Requires="a14">
               <p:sp>
                 <p:nvSpPr>
                   <p:cNvPr id="36" name="文字方塊 35">
@@ -12384,6 +13513,7 @@
                   </a:bodyPr>
                   <a:lstStyle/>
                   <a:p>
+                    <a:pPr/>
                     <a14:m>
                       <m:oMathPara xmlns:m="http://schemas.openxmlformats.org/officeDocument/2006/math">
                         <m:oMathParaPr>
@@ -12393,7 +13523,7 @@
                           <m:sSub>
                             <m:sSubPr>
                               <m:ctrlPr>
-                                <a:rPr lang="zh-TW" altLang="en-US" smtClean="0">
+                                <a:rPr lang="zh-TW" altLang="en-US" i="1" smtClean="0">
                                   <a:solidFill>
                                     <a:srgbClr val="836967"/>
                                   </a:solidFill>
@@ -12426,7 +13556,7 @@
                 </p:txBody>
               </p:sp>
             </mc:Choice>
-            <mc:Fallback>
+            <mc:Fallback xmlns="">
               <p:sp>
                 <p:nvSpPr>
                   <p:cNvPr id="36" name="文字方塊 35">
@@ -12947,6 +14077,420 @@
 </p:sld>
 </file>
 
+<file path=ppt/slides/slide6.xml><?xml version="1.0" encoding="utf-8"?>
+<p:sld xmlns:a="http://schemas.openxmlformats.org/drawingml/2006/main" xmlns:r="http://schemas.openxmlformats.org/officeDocument/2006/relationships" xmlns:p="http://schemas.openxmlformats.org/presentationml/2006/main">
+  <p:cSld>
+    <p:spTree>
+      <p:nvGrpSpPr>
+        <p:cNvPr id="1" name=""/>
+        <p:cNvGrpSpPr/>
+        <p:nvPr/>
+      </p:nvGrpSpPr>
+      <p:grpSpPr>
+        <a:xfrm>
+          <a:off x="0" y="0"/>
+          <a:ext cx="0" cy="0"/>
+          <a:chOff x="0" y="0"/>
+          <a:chExt cx="0" cy="0"/>
+        </a:xfrm>
+      </p:grpSpPr>
+      <p:sp>
+        <p:nvSpPr>
+          <p:cNvPr id="2" name="標題 1">
+            <a:extLst>
+              <a:ext uri="{FF2B5EF4-FFF2-40B4-BE49-F238E27FC236}">
+                <a16:creationId xmlns:a16="http://schemas.microsoft.com/office/drawing/2014/main" id="{A60BC2D2-D8C0-8A3B-CEE7-6A796E4F26C1}"/>
+              </a:ext>
+            </a:extLst>
+          </p:cNvPr>
+          <p:cNvSpPr>
+            <a:spLocks noGrp="1"/>
+          </p:cNvSpPr>
+          <p:nvPr>
+            <p:ph type="title"/>
+          </p:nvPr>
+        </p:nvSpPr>
+        <p:spPr/>
+        <p:txBody>
+          <a:bodyPr/>
+          <a:lstStyle/>
+          <a:p>
+            <a:endParaRPr lang="zh-TW" altLang="en-US"/>
+          </a:p>
+        </p:txBody>
+      </p:sp>
+      <p:sp>
+        <p:nvSpPr>
+          <p:cNvPr id="3" name="內容版面配置區 2">
+            <a:extLst>
+              <a:ext uri="{FF2B5EF4-FFF2-40B4-BE49-F238E27FC236}">
+                <a16:creationId xmlns:a16="http://schemas.microsoft.com/office/drawing/2014/main" id="{0E7433F3-E429-EEB6-1073-807E6EEAC19C}"/>
+              </a:ext>
+            </a:extLst>
+          </p:cNvPr>
+          <p:cNvSpPr>
+            <a:spLocks noGrp="1"/>
+          </p:cNvSpPr>
+          <p:nvPr>
+            <p:ph idx="1"/>
+          </p:nvPr>
+        </p:nvSpPr>
+        <p:spPr/>
+        <p:txBody>
+          <a:bodyPr/>
+          <a:lstStyle/>
+          <a:p>
+            <a:endParaRPr lang="zh-TW" altLang="en-US"/>
+          </a:p>
+        </p:txBody>
+      </p:sp>
+    </p:spTree>
+    <p:extLst>
+      <p:ext uri="{BB962C8B-B14F-4D97-AF65-F5344CB8AC3E}">
+        <p14:creationId xmlns:p14="http://schemas.microsoft.com/office/powerpoint/2010/main" val="758828764"/>
+      </p:ext>
+    </p:extLst>
+  </p:cSld>
+  <p:clrMapOvr>
+    <a:masterClrMapping/>
+  </p:clrMapOvr>
+</p:sld>
+</file>
+
+<file path=ppt/slides/slide7.xml><?xml version="1.0" encoding="utf-8"?>
+<p:sld xmlns:a="http://schemas.openxmlformats.org/drawingml/2006/main" xmlns:r="http://schemas.openxmlformats.org/officeDocument/2006/relationships" xmlns:p="http://schemas.openxmlformats.org/presentationml/2006/main">
+  <p:cSld>
+    <p:spTree>
+      <p:nvGrpSpPr>
+        <p:cNvPr id="1" name=""/>
+        <p:cNvGrpSpPr/>
+        <p:nvPr/>
+      </p:nvGrpSpPr>
+      <p:grpSpPr>
+        <a:xfrm>
+          <a:off x="0" y="0"/>
+          <a:ext cx="0" cy="0"/>
+          <a:chOff x="0" y="0"/>
+          <a:chExt cx="0" cy="0"/>
+        </a:xfrm>
+      </p:grpSpPr>
+      <p:sp>
+        <p:nvSpPr>
+          <p:cNvPr id="2" name="標題 1">
+            <a:extLst>
+              <a:ext uri="{FF2B5EF4-FFF2-40B4-BE49-F238E27FC236}">
+                <a16:creationId xmlns:a16="http://schemas.microsoft.com/office/drawing/2014/main" id="{516ACE97-2BFB-4886-7E4C-7E05C435A847}"/>
+              </a:ext>
+            </a:extLst>
+          </p:cNvPr>
+          <p:cNvSpPr>
+            <a:spLocks noGrp="1"/>
+          </p:cNvSpPr>
+          <p:nvPr>
+            <p:ph type="title"/>
+          </p:nvPr>
+        </p:nvSpPr>
+        <p:spPr/>
+        <p:txBody>
+          <a:bodyPr/>
+          <a:lstStyle/>
+          <a:p>
+            <a:r>
+              <a:rPr lang="en-US" altLang="zh-TW" dirty="0"/>
+              <a:t>MV</a:t>
+            </a:r>
+            <a:endParaRPr lang="zh-TW" altLang="en-US" dirty="0"/>
+          </a:p>
+        </p:txBody>
+      </p:sp>
+      <p:sp>
+        <p:nvSpPr>
+          <p:cNvPr id="3" name="內容版面配置區 2">
+            <a:extLst>
+              <a:ext uri="{FF2B5EF4-FFF2-40B4-BE49-F238E27FC236}">
+                <a16:creationId xmlns:a16="http://schemas.microsoft.com/office/drawing/2014/main" id="{987F19A9-9E7F-D994-DB37-F835904A42A8}"/>
+              </a:ext>
+            </a:extLst>
+          </p:cNvPr>
+          <p:cNvSpPr>
+            <a:spLocks noGrp="1"/>
+          </p:cNvSpPr>
+          <p:nvPr>
+            <p:ph idx="1"/>
+          </p:nvPr>
+        </p:nvSpPr>
+        <p:spPr/>
+        <p:txBody>
+          <a:bodyPr/>
+          <a:lstStyle/>
+          <a:p>
+            <a:endParaRPr lang="zh-TW" altLang="en-US"/>
+          </a:p>
+        </p:txBody>
+      </p:sp>
+      <p:pic>
+        <p:nvPicPr>
+          <p:cNvPr id="9" name="圖片 8">
+            <a:extLst>
+              <a:ext uri="{FF2B5EF4-FFF2-40B4-BE49-F238E27FC236}">
+                <a16:creationId xmlns:a16="http://schemas.microsoft.com/office/drawing/2014/main" id="{2E012587-0A93-4240-B4F0-55083C338CB1}"/>
+              </a:ext>
+            </a:extLst>
+          </p:cNvPr>
+          <p:cNvPicPr>
+            <a:picLocks noChangeAspect="1"/>
+          </p:cNvPicPr>
+          <p:nvPr/>
+        </p:nvPicPr>
+        <p:blipFill>
+          <a:blip r:embed="rId2"/>
+          <a:stretch>
+            <a:fillRect/>
+          </a:stretch>
+        </p:blipFill>
+        <p:spPr>
+          <a:xfrm>
+            <a:off x="0" y="1905000"/>
+            <a:ext cx="12192000" cy="3851484"/>
+          </a:xfrm>
+          <a:prstGeom prst="rect">
+            <a:avLst/>
+          </a:prstGeom>
+        </p:spPr>
+      </p:pic>
+    </p:spTree>
+    <p:extLst>
+      <p:ext uri="{BB962C8B-B14F-4D97-AF65-F5344CB8AC3E}">
+        <p14:creationId xmlns:p14="http://schemas.microsoft.com/office/powerpoint/2010/main" val="1360197155"/>
+      </p:ext>
+    </p:extLst>
+  </p:cSld>
+  <p:clrMapOvr>
+    <a:masterClrMapping/>
+  </p:clrMapOvr>
+</p:sld>
+</file>
+
+<file path=ppt/slides/slide8.xml><?xml version="1.0" encoding="utf-8"?>
+<p:sld xmlns:a="http://schemas.openxmlformats.org/drawingml/2006/main" xmlns:r="http://schemas.openxmlformats.org/officeDocument/2006/relationships" xmlns:p="http://schemas.openxmlformats.org/presentationml/2006/main">
+  <p:cSld>
+    <p:spTree>
+      <p:nvGrpSpPr>
+        <p:cNvPr id="1" name=""/>
+        <p:cNvGrpSpPr/>
+        <p:nvPr/>
+      </p:nvGrpSpPr>
+      <p:grpSpPr>
+        <a:xfrm>
+          <a:off x="0" y="0"/>
+          <a:ext cx="0" cy="0"/>
+          <a:chOff x="0" y="0"/>
+          <a:chExt cx="0" cy="0"/>
+        </a:xfrm>
+      </p:grpSpPr>
+      <p:sp>
+        <p:nvSpPr>
+          <p:cNvPr id="2" name="標題 1">
+            <a:extLst>
+              <a:ext uri="{FF2B5EF4-FFF2-40B4-BE49-F238E27FC236}">
+                <a16:creationId xmlns:a16="http://schemas.microsoft.com/office/drawing/2014/main" id="{E8F695D8-51BE-E5F4-4F5B-E769457D46BF}"/>
+              </a:ext>
+            </a:extLst>
+          </p:cNvPr>
+          <p:cNvSpPr>
+            <a:spLocks noGrp="1"/>
+          </p:cNvSpPr>
+          <p:nvPr>
+            <p:ph type="title"/>
+          </p:nvPr>
+        </p:nvSpPr>
+        <p:spPr/>
+        <p:txBody>
+          <a:bodyPr/>
+          <a:lstStyle/>
+          <a:p>
+            <a:endParaRPr lang="zh-TW" altLang="en-US"/>
+          </a:p>
+        </p:txBody>
+      </p:sp>
+      <p:sp>
+        <p:nvSpPr>
+          <p:cNvPr id="3" name="內容版面配置區 2">
+            <a:extLst>
+              <a:ext uri="{FF2B5EF4-FFF2-40B4-BE49-F238E27FC236}">
+                <a16:creationId xmlns:a16="http://schemas.microsoft.com/office/drawing/2014/main" id="{8E67B3E4-4EED-C489-5890-98B3BC43EAB1}"/>
+              </a:ext>
+            </a:extLst>
+          </p:cNvPr>
+          <p:cNvSpPr>
+            <a:spLocks noGrp="1"/>
+          </p:cNvSpPr>
+          <p:nvPr>
+            <p:ph idx="1"/>
+          </p:nvPr>
+        </p:nvSpPr>
+        <p:spPr/>
+        <p:txBody>
+          <a:bodyPr/>
+          <a:lstStyle/>
+          <a:p>
+            <a:endParaRPr lang="zh-TW" altLang="en-US"/>
+          </a:p>
+        </p:txBody>
+      </p:sp>
+      <p:pic>
+        <p:nvPicPr>
+          <p:cNvPr id="5" name="圖片 4">
+            <a:extLst>
+              <a:ext uri="{FF2B5EF4-FFF2-40B4-BE49-F238E27FC236}">
+                <a16:creationId xmlns:a16="http://schemas.microsoft.com/office/drawing/2014/main" id="{71D0BB3E-EAEF-BE6D-2316-5053A57879D4}"/>
+              </a:ext>
+            </a:extLst>
+          </p:cNvPr>
+          <p:cNvPicPr>
+            <a:picLocks noChangeAspect="1"/>
+          </p:cNvPicPr>
+          <p:nvPr/>
+        </p:nvPicPr>
+        <p:blipFill>
+          <a:blip r:embed="rId2"/>
+          <a:stretch>
+            <a:fillRect/>
+          </a:stretch>
+        </p:blipFill>
+        <p:spPr>
+          <a:xfrm>
+            <a:off x="0" y="667156"/>
+            <a:ext cx="12192000" cy="5523687"/>
+          </a:xfrm>
+          <a:prstGeom prst="rect">
+            <a:avLst/>
+          </a:prstGeom>
+        </p:spPr>
+      </p:pic>
+    </p:spTree>
+    <p:extLst>
+      <p:ext uri="{BB962C8B-B14F-4D97-AF65-F5344CB8AC3E}">
+        <p14:creationId xmlns:p14="http://schemas.microsoft.com/office/powerpoint/2010/main" val="1806388746"/>
+      </p:ext>
+    </p:extLst>
+  </p:cSld>
+  <p:clrMapOvr>
+    <a:masterClrMapping/>
+  </p:clrMapOvr>
+</p:sld>
+</file>
+
+<file path=ppt/slides/slide9.xml><?xml version="1.0" encoding="utf-8"?>
+<p:sld xmlns:a="http://schemas.openxmlformats.org/drawingml/2006/main" xmlns:r="http://schemas.openxmlformats.org/officeDocument/2006/relationships" xmlns:p="http://schemas.openxmlformats.org/presentationml/2006/main">
+  <p:cSld>
+    <p:spTree>
+      <p:nvGrpSpPr>
+        <p:cNvPr id="1" name=""/>
+        <p:cNvGrpSpPr/>
+        <p:nvPr/>
+      </p:nvGrpSpPr>
+      <p:grpSpPr>
+        <a:xfrm>
+          <a:off x="0" y="0"/>
+          <a:ext cx="0" cy="0"/>
+          <a:chOff x="0" y="0"/>
+          <a:chExt cx="0" cy="0"/>
+        </a:xfrm>
+      </p:grpSpPr>
+      <p:sp>
+        <p:nvSpPr>
+          <p:cNvPr id="2" name="標題 1">
+            <a:extLst>
+              <a:ext uri="{FF2B5EF4-FFF2-40B4-BE49-F238E27FC236}">
+                <a16:creationId xmlns:a16="http://schemas.microsoft.com/office/drawing/2014/main" id="{4B696C87-D7F4-4DAD-F5CC-678679A58201}"/>
+              </a:ext>
+            </a:extLst>
+          </p:cNvPr>
+          <p:cNvSpPr>
+            <a:spLocks noGrp="1"/>
+          </p:cNvSpPr>
+          <p:nvPr>
+            <p:ph type="title"/>
+          </p:nvPr>
+        </p:nvSpPr>
+        <p:spPr/>
+        <p:txBody>
+          <a:bodyPr/>
+          <a:lstStyle/>
+          <a:p>
+            <a:endParaRPr lang="zh-TW" altLang="en-US"/>
+          </a:p>
+        </p:txBody>
+      </p:sp>
+      <p:sp>
+        <p:nvSpPr>
+          <p:cNvPr id="3" name="內容版面配置區 2">
+            <a:extLst>
+              <a:ext uri="{FF2B5EF4-FFF2-40B4-BE49-F238E27FC236}">
+                <a16:creationId xmlns:a16="http://schemas.microsoft.com/office/drawing/2014/main" id="{D76C6FB2-53B5-B8E9-5AD4-C6B6DA5146A3}"/>
+              </a:ext>
+            </a:extLst>
+          </p:cNvPr>
+          <p:cNvSpPr>
+            <a:spLocks noGrp="1"/>
+          </p:cNvSpPr>
+          <p:nvPr>
+            <p:ph idx="1"/>
+          </p:nvPr>
+        </p:nvSpPr>
+        <p:spPr/>
+        <p:txBody>
+          <a:bodyPr/>
+          <a:lstStyle/>
+          <a:p>
+            <a:endParaRPr lang="zh-TW" altLang="en-US"/>
+          </a:p>
+        </p:txBody>
+      </p:sp>
+      <p:pic>
+        <p:nvPicPr>
+          <p:cNvPr id="7" name="圖片 6">
+            <a:extLst>
+              <a:ext uri="{FF2B5EF4-FFF2-40B4-BE49-F238E27FC236}">
+                <a16:creationId xmlns:a16="http://schemas.microsoft.com/office/drawing/2014/main" id="{3A9AFCB5-36B5-57FD-203D-4F3024638B36}"/>
+              </a:ext>
+            </a:extLst>
+          </p:cNvPr>
+          <p:cNvPicPr>
+            <a:picLocks noChangeAspect="1"/>
+          </p:cNvPicPr>
+          <p:nvPr/>
+        </p:nvPicPr>
+        <p:blipFill>
+          <a:blip r:embed="rId2"/>
+          <a:stretch>
+            <a:fillRect/>
+          </a:stretch>
+        </p:blipFill>
+        <p:spPr>
+          <a:xfrm>
+            <a:off x="79899" y="831599"/>
+            <a:ext cx="12192000" cy="3955627"/>
+          </a:xfrm>
+          <a:prstGeom prst="rect">
+            <a:avLst/>
+          </a:prstGeom>
+        </p:spPr>
+      </p:pic>
+    </p:spTree>
+    <p:extLst>
+      <p:ext uri="{BB962C8B-B14F-4D97-AF65-F5344CB8AC3E}">
+        <p14:creationId xmlns:p14="http://schemas.microsoft.com/office/powerpoint/2010/main" val="3249988327"/>
+      </p:ext>
+    </p:extLst>
+  </p:cSld>
+  <p:clrMapOvr>
+    <a:masterClrMapping/>
+  </p:clrMapOvr>
+</p:sld>
+</file>
+
 <file path=ppt/theme/theme1.xml><?xml version="1.0" encoding="utf-8"?>
 <a:theme xmlns:a="http://schemas.openxmlformats.org/drawingml/2006/main" name="絲縷">
   <a:themeElements>
